--- a/BCG case/Capstone Project Presentation.pptx
+++ b/BCG case/Capstone Project Presentation.pptx
@@ -5,7 +5,7 @@
     <p:sldMasterId id="2147483670" r:id="rId1"/>
   </p:sldMasterIdLst>
   <p:notesMasterIdLst>
-    <p:notesMasterId r:id="rId16"/>
+    <p:notesMasterId r:id="rId20"/>
   </p:notesMasterIdLst>
   <p:sldIdLst>
     <p:sldId id="256" r:id="rId2"/>
@@ -17,26 +17,23 @@
     <p:sldId id="264" r:id="rId8"/>
     <p:sldId id="265" r:id="rId9"/>
     <p:sldId id="290" r:id="rId10"/>
-    <p:sldId id="291" r:id="rId11"/>
-    <p:sldId id="292" r:id="rId12"/>
-    <p:sldId id="293" r:id="rId13"/>
-    <p:sldId id="294" r:id="rId14"/>
-    <p:sldId id="278" r:id="rId15"/>
+    <p:sldId id="292" r:id="rId11"/>
+    <p:sldId id="297" r:id="rId12"/>
+    <p:sldId id="296" r:id="rId13"/>
+    <p:sldId id="299" r:id="rId14"/>
+    <p:sldId id="298" r:id="rId15"/>
+    <p:sldId id="295" r:id="rId16"/>
+    <p:sldId id="293" r:id="rId17"/>
+    <p:sldId id="294" r:id="rId18"/>
+    <p:sldId id="278" r:id="rId19"/>
   </p:sldIdLst>
   <p:sldSz cx="9144000" cy="5143500" type="screen16x9"/>
   <p:notesSz cx="6858000" cy="9144000"/>
   <p:embeddedFontLst>
     <p:embeddedFont>
       <p:font typeface="Maven Pro" panose="020B0604020202020204" charset="0"/>
-      <p:regular r:id="rId17"/>
-      <p:bold r:id="rId18"/>
-    </p:embeddedFont>
-    <p:embeddedFont>
-      <p:font typeface="Fira Sans Extra Condensed Medium" panose="020B0604020202020204" charset="0"/>
-      <p:regular r:id="rId19"/>
-      <p:bold r:id="rId20"/>
-      <p:italic r:id="rId21"/>
-      <p:boldItalic r:id="rId22"/>
+      <p:regular r:id="rId21"/>
+      <p:bold r:id="rId22"/>
     </p:embeddedFont>
     <p:embeddedFont>
       <p:font typeface="Fira Sans Condensed Medium" panose="020B0604020202020204" charset="0"/>
@@ -53,6 +50,13 @@
     <p:embeddedFont>
       <p:font typeface="Share Tech" panose="020B0604020202020204" charset="0"/>
       <p:regular r:id="rId29"/>
+    </p:embeddedFont>
+    <p:embeddedFont>
+      <p:font typeface="Fira Sans Extra Condensed Medium" panose="020B0604020202020204" charset="0"/>
+      <p:regular r:id="rId30"/>
+      <p:bold r:id="rId31"/>
+      <p:italic r:id="rId32"/>
+      <p:boldItalic r:id="rId33"/>
     </p:embeddedFont>
   </p:embeddedFontLst>
   <p:defaultTextStyle>
@@ -284,6 +288,11 @@
       </a:defRPr>
     </a:lvl9pPr>
   </p:defaultTextStyle>
+  <p:extLst>
+    <p:ext uri="{EFAFB233-063F-42B5-8137-9DF3F51BA10A}">
+      <p15:sldGuideLst xmlns:p15="http://schemas.microsoft.com/office/powerpoint/2012/main"/>
+    </p:ext>
+  </p:extLst>
 </p:presentation>
 </file>
 
@@ -941,7 +950,7 @@
     </p:spTree>
     <p:extLst>
       <p:ext uri="{BB962C8B-B14F-4D97-AF65-F5344CB8AC3E}">
-        <p14:creationId xmlns:p14="http://schemas.microsoft.com/office/powerpoint/2010/main" val="1643500021"/>
+        <p14:creationId xmlns:p14="http://schemas.microsoft.com/office/powerpoint/2010/main" val="1876864644"/>
       </p:ext>
     </p:extLst>
   </p:cSld>
@@ -1050,7 +1059,7 @@
     </p:spTree>
     <p:extLst>
       <p:ext uri="{BB962C8B-B14F-4D97-AF65-F5344CB8AC3E}">
-        <p14:creationId xmlns:p14="http://schemas.microsoft.com/office/powerpoint/2010/main" val="1876864644"/>
+        <p14:creationId xmlns:p14="http://schemas.microsoft.com/office/powerpoint/2010/main" val="2837987395"/>
       </p:ext>
     </p:extLst>
   </p:cSld>
@@ -1159,6 +1168,442 @@
     </p:spTree>
     <p:extLst>
       <p:ext uri="{BB962C8B-B14F-4D97-AF65-F5344CB8AC3E}">
+        <p14:creationId xmlns:p14="http://schemas.microsoft.com/office/powerpoint/2010/main" val="2256342035"/>
+      </p:ext>
+    </p:extLst>
+  </p:cSld>
+  <p:clrMapOvr>
+    <a:masterClrMapping/>
+  </p:clrMapOvr>
+</p:notes>
+</file>
+
+<file path=ppt/notesSlides/notesSlide13.xml><?xml version="1.0" encoding="utf-8"?>
+<p:notes xmlns:a="http://schemas.openxmlformats.org/drawingml/2006/main" xmlns:r="http://schemas.openxmlformats.org/officeDocument/2006/relationships" xmlns:p="http://schemas.openxmlformats.org/presentationml/2006/main" showMasterSp="0" showMasterPhAnim="0">
+  <p:cSld>
+    <p:spTree>
+      <p:nvGrpSpPr>
+        <p:cNvPr id="1" name="Shape 709"/>
+        <p:cNvGrpSpPr/>
+        <p:nvPr/>
+      </p:nvGrpSpPr>
+      <p:grpSpPr>
+        <a:xfrm>
+          <a:off x="0" y="0"/>
+          <a:ext cx="0" cy="0"/>
+          <a:chOff x="0" y="0"/>
+          <a:chExt cx="0" cy="0"/>
+        </a:xfrm>
+      </p:grpSpPr>
+      <p:sp>
+        <p:nvSpPr>
+          <p:cNvPr id="710" name="Google Shape;710;g6c4305b01e_0_30:notes"/>
+          <p:cNvSpPr>
+            <a:spLocks noGrp="1" noRot="1" noChangeAspect="1"/>
+          </p:cNvSpPr>
+          <p:nvPr>
+            <p:ph type="sldImg" idx="2"/>
+          </p:nvPr>
+        </p:nvSpPr>
+        <p:spPr>
+          <a:xfrm>
+            <a:off x="381000" y="685800"/>
+            <a:ext cx="6096000" cy="3429000"/>
+          </a:xfrm>
+          <a:custGeom>
+            <a:avLst/>
+            <a:gdLst/>
+            <a:ahLst/>
+            <a:cxnLst/>
+            <a:rect l="l" t="t" r="r" b="b"/>
+            <a:pathLst>
+              <a:path w="120000" h="120000" extrusionOk="0">
+                <a:moveTo>
+                  <a:pt x="0" y="0"/>
+                </a:moveTo>
+                <a:lnTo>
+                  <a:pt x="120000" y="0"/>
+                </a:lnTo>
+                <a:lnTo>
+                  <a:pt x="120000" y="120000"/>
+                </a:lnTo>
+                <a:lnTo>
+                  <a:pt x="0" y="120000"/>
+                </a:lnTo>
+                <a:close/>
+              </a:path>
+            </a:pathLst>
+          </a:custGeom>
+        </p:spPr>
+      </p:sp>
+      <p:sp>
+        <p:nvSpPr>
+          <p:cNvPr id="711" name="Google Shape;711;g6c4305b01e_0_30:notes"/>
+          <p:cNvSpPr txBox="1">
+            <a:spLocks noGrp="1"/>
+          </p:cNvSpPr>
+          <p:nvPr>
+            <p:ph type="body" idx="1"/>
+          </p:nvPr>
+        </p:nvSpPr>
+        <p:spPr>
+          <a:xfrm>
+            <a:off x="685800" y="4343400"/>
+            <a:ext cx="5486400" cy="4114800"/>
+          </a:xfrm>
+          <a:prstGeom prst="rect">
+            <a:avLst/>
+          </a:prstGeom>
+        </p:spPr>
+        <p:txBody>
+          <a:bodyPr spcFirstLastPara="1" wrap="square" lIns="91425" tIns="91425" rIns="91425" bIns="91425" anchor="t" anchorCtr="0">
+            <a:noAutofit/>
+          </a:bodyPr>
+          <a:lstStyle/>
+          <a:p>
+            <a:pPr marL="0" lvl="0" indent="0" algn="l" rtl="0">
+              <a:spcBef>
+                <a:spcPts val="0"/>
+              </a:spcBef>
+              <a:spcAft>
+                <a:spcPts val="0"/>
+              </a:spcAft>
+              <a:buNone/>
+            </a:pPr>
+            <a:endParaRPr/>
+          </a:p>
+        </p:txBody>
+      </p:sp>
+    </p:spTree>
+    <p:extLst>
+      <p:ext uri="{BB962C8B-B14F-4D97-AF65-F5344CB8AC3E}">
+        <p14:creationId xmlns:p14="http://schemas.microsoft.com/office/powerpoint/2010/main" val="176663585"/>
+      </p:ext>
+    </p:extLst>
+  </p:cSld>
+  <p:clrMapOvr>
+    <a:masterClrMapping/>
+  </p:clrMapOvr>
+</p:notes>
+</file>
+
+<file path=ppt/notesSlides/notesSlide14.xml><?xml version="1.0" encoding="utf-8"?>
+<p:notes xmlns:a="http://schemas.openxmlformats.org/drawingml/2006/main" xmlns:r="http://schemas.openxmlformats.org/officeDocument/2006/relationships" xmlns:p="http://schemas.openxmlformats.org/presentationml/2006/main" showMasterSp="0" showMasterPhAnim="0">
+  <p:cSld>
+    <p:spTree>
+      <p:nvGrpSpPr>
+        <p:cNvPr id="1" name="Shape 709"/>
+        <p:cNvGrpSpPr/>
+        <p:nvPr/>
+      </p:nvGrpSpPr>
+      <p:grpSpPr>
+        <a:xfrm>
+          <a:off x="0" y="0"/>
+          <a:ext cx="0" cy="0"/>
+          <a:chOff x="0" y="0"/>
+          <a:chExt cx="0" cy="0"/>
+        </a:xfrm>
+      </p:grpSpPr>
+      <p:sp>
+        <p:nvSpPr>
+          <p:cNvPr id="710" name="Google Shape;710;g6c4305b01e_0_30:notes"/>
+          <p:cNvSpPr>
+            <a:spLocks noGrp="1" noRot="1" noChangeAspect="1"/>
+          </p:cNvSpPr>
+          <p:nvPr>
+            <p:ph type="sldImg" idx="2"/>
+          </p:nvPr>
+        </p:nvSpPr>
+        <p:spPr>
+          <a:xfrm>
+            <a:off x="381000" y="685800"/>
+            <a:ext cx="6096000" cy="3429000"/>
+          </a:xfrm>
+          <a:custGeom>
+            <a:avLst/>
+            <a:gdLst/>
+            <a:ahLst/>
+            <a:cxnLst/>
+            <a:rect l="l" t="t" r="r" b="b"/>
+            <a:pathLst>
+              <a:path w="120000" h="120000" extrusionOk="0">
+                <a:moveTo>
+                  <a:pt x="0" y="0"/>
+                </a:moveTo>
+                <a:lnTo>
+                  <a:pt x="120000" y="0"/>
+                </a:lnTo>
+                <a:lnTo>
+                  <a:pt x="120000" y="120000"/>
+                </a:lnTo>
+                <a:lnTo>
+                  <a:pt x="0" y="120000"/>
+                </a:lnTo>
+                <a:close/>
+              </a:path>
+            </a:pathLst>
+          </a:custGeom>
+        </p:spPr>
+      </p:sp>
+      <p:sp>
+        <p:nvSpPr>
+          <p:cNvPr id="711" name="Google Shape;711;g6c4305b01e_0_30:notes"/>
+          <p:cNvSpPr txBox="1">
+            <a:spLocks noGrp="1"/>
+          </p:cNvSpPr>
+          <p:nvPr>
+            <p:ph type="body" idx="1"/>
+          </p:nvPr>
+        </p:nvSpPr>
+        <p:spPr>
+          <a:xfrm>
+            <a:off x="685800" y="4343400"/>
+            <a:ext cx="5486400" cy="4114800"/>
+          </a:xfrm>
+          <a:prstGeom prst="rect">
+            <a:avLst/>
+          </a:prstGeom>
+        </p:spPr>
+        <p:txBody>
+          <a:bodyPr spcFirstLastPara="1" wrap="square" lIns="91425" tIns="91425" rIns="91425" bIns="91425" anchor="t" anchorCtr="0">
+            <a:noAutofit/>
+          </a:bodyPr>
+          <a:lstStyle/>
+          <a:p>
+            <a:pPr marL="0" lvl="0" indent="0" algn="l" rtl="0">
+              <a:spcBef>
+                <a:spcPts val="0"/>
+              </a:spcBef>
+              <a:spcAft>
+                <a:spcPts val="0"/>
+              </a:spcAft>
+              <a:buNone/>
+            </a:pPr>
+            <a:endParaRPr/>
+          </a:p>
+        </p:txBody>
+      </p:sp>
+    </p:spTree>
+    <p:extLst>
+      <p:ext uri="{BB962C8B-B14F-4D97-AF65-F5344CB8AC3E}">
+        <p14:creationId xmlns:p14="http://schemas.microsoft.com/office/powerpoint/2010/main" val="1816425448"/>
+      </p:ext>
+    </p:extLst>
+  </p:cSld>
+  <p:clrMapOvr>
+    <a:masterClrMapping/>
+  </p:clrMapOvr>
+</p:notes>
+</file>
+
+<file path=ppt/notesSlides/notesSlide15.xml><?xml version="1.0" encoding="utf-8"?>
+<p:notes xmlns:a="http://schemas.openxmlformats.org/drawingml/2006/main" xmlns:r="http://schemas.openxmlformats.org/officeDocument/2006/relationships" xmlns:p="http://schemas.openxmlformats.org/presentationml/2006/main" showMasterSp="0" showMasterPhAnim="0">
+  <p:cSld>
+    <p:spTree>
+      <p:nvGrpSpPr>
+        <p:cNvPr id="1" name="Shape 709"/>
+        <p:cNvGrpSpPr/>
+        <p:nvPr/>
+      </p:nvGrpSpPr>
+      <p:grpSpPr>
+        <a:xfrm>
+          <a:off x="0" y="0"/>
+          <a:ext cx="0" cy="0"/>
+          <a:chOff x="0" y="0"/>
+          <a:chExt cx="0" cy="0"/>
+        </a:xfrm>
+      </p:grpSpPr>
+      <p:sp>
+        <p:nvSpPr>
+          <p:cNvPr id="710" name="Google Shape;710;g6c4305b01e_0_30:notes"/>
+          <p:cNvSpPr>
+            <a:spLocks noGrp="1" noRot="1" noChangeAspect="1"/>
+          </p:cNvSpPr>
+          <p:nvPr>
+            <p:ph type="sldImg" idx="2"/>
+          </p:nvPr>
+        </p:nvSpPr>
+        <p:spPr>
+          <a:xfrm>
+            <a:off x="381000" y="685800"/>
+            <a:ext cx="6096000" cy="3429000"/>
+          </a:xfrm>
+          <a:custGeom>
+            <a:avLst/>
+            <a:gdLst/>
+            <a:ahLst/>
+            <a:cxnLst/>
+            <a:rect l="l" t="t" r="r" b="b"/>
+            <a:pathLst>
+              <a:path w="120000" h="120000" extrusionOk="0">
+                <a:moveTo>
+                  <a:pt x="0" y="0"/>
+                </a:moveTo>
+                <a:lnTo>
+                  <a:pt x="120000" y="0"/>
+                </a:lnTo>
+                <a:lnTo>
+                  <a:pt x="120000" y="120000"/>
+                </a:lnTo>
+                <a:lnTo>
+                  <a:pt x="0" y="120000"/>
+                </a:lnTo>
+                <a:close/>
+              </a:path>
+            </a:pathLst>
+          </a:custGeom>
+        </p:spPr>
+      </p:sp>
+      <p:sp>
+        <p:nvSpPr>
+          <p:cNvPr id="711" name="Google Shape;711;g6c4305b01e_0_30:notes"/>
+          <p:cNvSpPr txBox="1">
+            <a:spLocks noGrp="1"/>
+          </p:cNvSpPr>
+          <p:nvPr>
+            <p:ph type="body" idx="1"/>
+          </p:nvPr>
+        </p:nvSpPr>
+        <p:spPr>
+          <a:xfrm>
+            <a:off x="685800" y="4343400"/>
+            <a:ext cx="5486400" cy="4114800"/>
+          </a:xfrm>
+          <a:prstGeom prst="rect">
+            <a:avLst/>
+          </a:prstGeom>
+        </p:spPr>
+        <p:txBody>
+          <a:bodyPr spcFirstLastPara="1" wrap="square" lIns="91425" tIns="91425" rIns="91425" bIns="91425" anchor="t" anchorCtr="0">
+            <a:noAutofit/>
+          </a:bodyPr>
+          <a:lstStyle/>
+          <a:p>
+            <a:pPr marL="0" lvl="0" indent="0" algn="l" rtl="0">
+              <a:spcBef>
+                <a:spcPts val="0"/>
+              </a:spcBef>
+              <a:spcAft>
+                <a:spcPts val="0"/>
+              </a:spcAft>
+              <a:buNone/>
+            </a:pPr>
+            <a:endParaRPr/>
+          </a:p>
+        </p:txBody>
+      </p:sp>
+    </p:spTree>
+    <p:extLst>
+      <p:ext uri="{BB962C8B-B14F-4D97-AF65-F5344CB8AC3E}">
+        <p14:creationId xmlns:p14="http://schemas.microsoft.com/office/powerpoint/2010/main" val="1858409491"/>
+      </p:ext>
+    </p:extLst>
+  </p:cSld>
+  <p:clrMapOvr>
+    <a:masterClrMapping/>
+  </p:clrMapOvr>
+</p:notes>
+</file>
+
+<file path=ppt/notesSlides/notesSlide16.xml><?xml version="1.0" encoding="utf-8"?>
+<p:notes xmlns:a="http://schemas.openxmlformats.org/drawingml/2006/main" xmlns:r="http://schemas.openxmlformats.org/officeDocument/2006/relationships" xmlns:p="http://schemas.openxmlformats.org/presentationml/2006/main" showMasterSp="0" showMasterPhAnim="0">
+  <p:cSld>
+    <p:spTree>
+      <p:nvGrpSpPr>
+        <p:cNvPr id="1" name="Shape 709"/>
+        <p:cNvGrpSpPr/>
+        <p:nvPr/>
+      </p:nvGrpSpPr>
+      <p:grpSpPr>
+        <a:xfrm>
+          <a:off x="0" y="0"/>
+          <a:ext cx="0" cy="0"/>
+          <a:chOff x="0" y="0"/>
+          <a:chExt cx="0" cy="0"/>
+        </a:xfrm>
+      </p:grpSpPr>
+      <p:sp>
+        <p:nvSpPr>
+          <p:cNvPr id="710" name="Google Shape;710;g6c4305b01e_0_30:notes"/>
+          <p:cNvSpPr>
+            <a:spLocks noGrp="1" noRot="1" noChangeAspect="1"/>
+          </p:cNvSpPr>
+          <p:nvPr>
+            <p:ph type="sldImg" idx="2"/>
+          </p:nvPr>
+        </p:nvSpPr>
+        <p:spPr>
+          <a:xfrm>
+            <a:off x="381000" y="685800"/>
+            <a:ext cx="6096000" cy="3429000"/>
+          </a:xfrm>
+          <a:custGeom>
+            <a:avLst/>
+            <a:gdLst/>
+            <a:ahLst/>
+            <a:cxnLst/>
+            <a:rect l="l" t="t" r="r" b="b"/>
+            <a:pathLst>
+              <a:path w="120000" h="120000" extrusionOk="0">
+                <a:moveTo>
+                  <a:pt x="0" y="0"/>
+                </a:moveTo>
+                <a:lnTo>
+                  <a:pt x="120000" y="0"/>
+                </a:lnTo>
+                <a:lnTo>
+                  <a:pt x="120000" y="120000"/>
+                </a:lnTo>
+                <a:lnTo>
+                  <a:pt x="0" y="120000"/>
+                </a:lnTo>
+                <a:close/>
+              </a:path>
+            </a:pathLst>
+          </a:custGeom>
+        </p:spPr>
+      </p:sp>
+      <p:sp>
+        <p:nvSpPr>
+          <p:cNvPr id="711" name="Google Shape;711;g6c4305b01e_0_30:notes"/>
+          <p:cNvSpPr txBox="1">
+            <a:spLocks noGrp="1"/>
+          </p:cNvSpPr>
+          <p:nvPr>
+            <p:ph type="body" idx="1"/>
+          </p:nvPr>
+        </p:nvSpPr>
+        <p:spPr>
+          <a:xfrm>
+            <a:off x="685800" y="4343400"/>
+            <a:ext cx="5486400" cy="4114800"/>
+          </a:xfrm>
+          <a:prstGeom prst="rect">
+            <a:avLst/>
+          </a:prstGeom>
+        </p:spPr>
+        <p:txBody>
+          <a:bodyPr spcFirstLastPara="1" wrap="square" lIns="91425" tIns="91425" rIns="91425" bIns="91425" anchor="t" anchorCtr="0">
+            <a:noAutofit/>
+          </a:bodyPr>
+          <a:lstStyle/>
+          <a:p>
+            <a:pPr marL="0" lvl="0" indent="0" algn="l" rtl="0">
+              <a:spcBef>
+                <a:spcPts val="0"/>
+              </a:spcBef>
+              <a:spcAft>
+                <a:spcPts val="0"/>
+              </a:spcAft>
+              <a:buNone/>
+            </a:pPr>
+            <a:endParaRPr/>
+          </a:p>
+        </p:txBody>
+      </p:sp>
+    </p:spTree>
+    <p:extLst>
+      <p:ext uri="{BB962C8B-B14F-4D97-AF65-F5344CB8AC3E}">
         <p14:creationId xmlns:p14="http://schemas.microsoft.com/office/powerpoint/2010/main" val="3094958335"/>
       </p:ext>
     </p:extLst>
@@ -1169,7 +1614,7 @@
 </p:notes>
 </file>
 
-<file path=ppt/notesSlides/notesSlide13.xml><?xml version="1.0" encoding="utf-8"?>
+<file path=ppt/notesSlides/notesSlide17.xml><?xml version="1.0" encoding="utf-8"?>
 <p:notes xmlns:a="http://schemas.openxmlformats.org/drawingml/2006/main" xmlns:r="http://schemas.openxmlformats.org/officeDocument/2006/relationships" xmlns:p="http://schemas.openxmlformats.org/presentationml/2006/main" showMasterSp="0" showMasterPhAnim="0">
   <p:cSld>
     <p:spTree>
@@ -1278,7 +1723,7 @@
 </p:notes>
 </file>
 
-<file path=ppt/notesSlides/notesSlide14.xml><?xml version="1.0" encoding="utf-8"?>
+<file path=ppt/notesSlides/notesSlide18.xml><?xml version="1.0" encoding="utf-8"?>
 <p:notes xmlns:a="http://schemas.openxmlformats.org/drawingml/2006/main" xmlns:r="http://schemas.openxmlformats.org/officeDocument/2006/relationships" xmlns:p="http://schemas.openxmlformats.org/presentationml/2006/main" showMasterSp="0" showMasterPhAnim="0">
   <p:cSld>
     <p:spTree>
@@ -14667,7 +15112,7 @@
                 <a:hlinkClick r:id="rId2">
                   <a:extLst>
                     <a:ext uri="{A12FA001-AC4F-418D-AE19-62706E023703}">
-                      <ahyp:hlinkClr xmlns:ahyp="http://schemas.microsoft.com/office/drawing/2018/hyperlinkcolor" xmlns:p15="http://schemas.microsoft.com/office/powerpoint/2012/main" xmlns:p14="http://schemas.microsoft.com/office/powerpoint/2010/main" xmlns:com="http://schemas.openxmlformats.org/drawingml/2006/compatibility" xmlns:pvml="urn:schemas-microsoft-com:office:powerpoint" xmlns:v="urn:schemas-microsoft-com:vml" xmlns:o="urn:schemas-microsoft-com:office:office" xmlns:dgm="http://schemas.openxmlformats.org/drawingml/2006/diagram" xmlns:c="http://schemas.openxmlformats.org/drawingml/2006/chart" xmlns:mv="urn:schemas-microsoft-com:mac:vml" xmlns:mc="http://schemas.openxmlformats.org/markup-compatibility/2006" xmlns="" val="tx"/>
+                      <ahyp:hlinkClr xmlns="" xmlns:mc="http://schemas.openxmlformats.org/markup-compatibility/2006" xmlns:mv="urn:schemas-microsoft-com:mac:vml" xmlns:c="http://schemas.openxmlformats.org/drawingml/2006/chart" xmlns:dgm="http://schemas.openxmlformats.org/drawingml/2006/diagram" xmlns:o="urn:schemas-microsoft-com:office:office" xmlns:v="urn:schemas-microsoft-com:vml" xmlns:pvml="urn:schemas-microsoft-com:office:powerpoint" xmlns:com="http://schemas.openxmlformats.org/drawingml/2006/compatibility" xmlns:p14="http://schemas.microsoft.com/office/powerpoint/2010/main" xmlns:p15="http://schemas.microsoft.com/office/powerpoint/2012/main" xmlns:ahyp="http://schemas.microsoft.com/office/drawing/2018/hyperlinkcolor" val="tx"/>
                     </a:ext>
                   </a:extLst>
                 </a:hlinkClick>
@@ -14701,7 +15146,7 @@
                 <a:hlinkClick r:id="rId3">
                   <a:extLst>
                     <a:ext uri="{A12FA001-AC4F-418D-AE19-62706E023703}">
-                      <ahyp:hlinkClr xmlns:ahyp="http://schemas.microsoft.com/office/drawing/2018/hyperlinkcolor" xmlns:p15="http://schemas.microsoft.com/office/powerpoint/2012/main" xmlns:p14="http://schemas.microsoft.com/office/powerpoint/2010/main" xmlns:com="http://schemas.openxmlformats.org/drawingml/2006/compatibility" xmlns:pvml="urn:schemas-microsoft-com:office:powerpoint" xmlns:v="urn:schemas-microsoft-com:vml" xmlns:o="urn:schemas-microsoft-com:office:office" xmlns:dgm="http://schemas.openxmlformats.org/drawingml/2006/diagram" xmlns:c="http://schemas.openxmlformats.org/drawingml/2006/chart" xmlns:mv="urn:schemas-microsoft-com:mac:vml" xmlns:mc="http://schemas.openxmlformats.org/markup-compatibility/2006" xmlns="" val="tx"/>
+                      <ahyp:hlinkClr xmlns="" xmlns:mc="http://schemas.openxmlformats.org/markup-compatibility/2006" xmlns:mv="urn:schemas-microsoft-com:mac:vml" xmlns:c="http://schemas.openxmlformats.org/drawingml/2006/chart" xmlns:dgm="http://schemas.openxmlformats.org/drawingml/2006/diagram" xmlns:o="urn:schemas-microsoft-com:office:office" xmlns:v="urn:schemas-microsoft-com:vml" xmlns:pvml="urn:schemas-microsoft-com:office:powerpoint" xmlns:com="http://schemas.openxmlformats.org/drawingml/2006/compatibility" xmlns:p14="http://schemas.microsoft.com/office/powerpoint/2010/main" xmlns:p15="http://schemas.microsoft.com/office/powerpoint/2012/main" xmlns:ahyp="http://schemas.microsoft.com/office/drawing/2018/hyperlinkcolor" val="tx"/>
                     </a:ext>
                   </a:extLst>
                 </a:hlinkClick>
@@ -14735,7 +15180,7 @@
                 <a:hlinkClick r:id="rId4">
                   <a:extLst>
                     <a:ext uri="{A12FA001-AC4F-418D-AE19-62706E023703}">
-                      <ahyp:hlinkClr xmlns:ahyp="http://schemas.microsoft.com/office/drawing/2018/hyperlinkcolor" xmlns:p15="http://schemas.microsoft.com/office/powerpoint/2012/main" xmlns:p14="http://schemas.microsoft.com/office/powerpoint/2010/main" xmlns:com="http://schemas.openxmlformats.org/drawingml/2006/compatibility" xmlns:pvml="urn:schemas-microsoft-com:office:powerpoint" xmlns:v="urn:schemas-microsoft-com:vml" xmlns:o="urn:schemas-microsoft-com:office:office" xmlns:dgm="http://schemas.openxmlformats.org/drawingml/2006/diagram" xmlns:c="http://schemas.openxmlformats.org/drawingml/2006/chart" xmlns:mv="urn:schemas-microsoft-com:mac:vml" xmlns:mc="http://schemas.openxmlformats.org/markup-compatibility/2006" xmlns="" val="tx"/>
+                      <ahyp:hlinkClr xmlns="" xmlns:mc="http://schemas.openxmlformats.org/markup-compatibility/2006" xmlns:mv="urn:schemas-microsoft-com:mac:vml" xmlns:c="http://schemas.openxmlformats.org/drawingml/2006/chart" xmlns:dgm="http://schemas.openxmlformats.org/drawingml/2006/diagram" xmlns:o="urn:schemas-microsoft-com:office:office" xmlns:v="urn:schemas-microsoft-com:vml" xmlns:pvml="urn:schemas-microsoft-com:office:powerpoint" xmlns:com="http://schemas.openxmlformats.org/drawingml/2006/compatibility" xmlns:p14="http://schemas.microsoft.com/office/powerpoint/2010/main" xmlns:p15="http://schemas.microsoft.com/office/powerpoint/2012/main" xmlns:ahyp="http://schemas.microsoft.com/office/drawing/2018/hyperlinkcolor" val="tx"/>
                     </a:ext>
                   </a:extLst>
                 </a:hlinkClick>
@@ -19205,7 +19650,7 @@
         <p:spPr>
           <a:xfrm>
             <a:off x="618825" y="411675"/>
-            <a:ext cx="4727700" cy="577800"/>
+            <a:ext cx="5771342" cy="577800"/>
           </a:xfrm>
           <a:prstGeom prst="rect">
             <a:avLst/>
@@ -19228,7 +19673,7 @@
             </a:pPr>
             <a:r>
               <a:rPr lang="en" dirty="0" smtClean="0"/>
-              <a:t>ANALYSIS - Tenure</a:t>
+              <a:t>ANALYSIS – Tenure(Contract Period)</a:t>
             </a:r>
             <a:endParaRPr dirty="0"/>
           </a:p>
@@ -19683,7 +20128,7 @@
       </p:sp>
       <p:pic>
         <p:nvPicPr>
-          <p:cNvPr id="3" name="Picture 2"/>
+          <p:cNvPr id="2" name="Picture 1"/>
           <p:cNvPicPr>
             <a:picLocks noChangeAspect="1"/>
           </p:cNvPicPr>
@@ -19703,8 +20148,8 @@
         </p:blipFill>
         <p:spPr>
           <a:xfrm>
-            <a:off x="37374" y="754912"/>
-            <a:ext cx="6118877" cy="4388588"/>
+            <a:off x="361362" y="989474"/>
+            <a:ext cx="5690117" cy="3954331"/>
           </a:xfrm>
           <a:prstGeom prst="rect">
             <a:avLst/>
@@ -19714,7 +20159,7 @@
     </p:spTree>
     <p:extLst>
       <p:ext uri="{BB962C8B-B14F-4D97-AF65-F5344CB8AC3E}">
-        <p14:creationId xmlns:p14="http://schemas.microsoft.com/office/powerpoint/2010/main" val="4257949340"/>
+        <p14:creationId xmlns:p14="http://schemas.microsoft.com/office/powerpoint/2010/main" val="1314490330"/>
       </p:ext>
     </p:extLst>
   </p:cSld>
@@ -19777,78 +20222,13 @@
             </a:pPr>
             <a:r>
               <a:rPr lang="en" dirty="0" smtClean="0"/>
-              <a:t>ANALYSIS – Tenure(Contract Period)</a:t>
+              <a:t>ANALYSIS – </a:t>
+            </a:r>
+            <a:r>
+              <a:rPr lang="en" dirty="0" smtClean="0"/>
+              <a:t>HAS GAS</a:t>
             </a:r>
             <a:endParaRPr dirty="0"/>
-          </a:p>
-        </p:txBody>
-      </p:sp>
-      <p:sp>
-        <p:nvSpPr>
-          <p:cNvPr id="714" name="Google Shape;714;p34"/>
-          <p:cNvSpPr txBox="1"/>
-          <p:nvPr/>
-        </p:nvSpPr>
-        <p:spPr>
-          <a:xfrm>
-            <a:off x="928775" y="922504"/>
-            <a:ext cx="1881300" cy="390600"/>
-          </a:xfrm>
-          <a:prstGeom prst="rect">
-            <a:avLst/>
-          </a:prstGeom>
-          <a:noFill/>
-          <a:ln>
-            <a:noFill/>
-          </a:ln>
-        </p:spPr>
-        <p:txBody>
-          <a:bodyPr spcFirstLastPara="1" wrap="square" lIns="91425" tIns="91425" rIns="91425" bIns="91425" anchor="t" anchorCtr="0">
-            <a:noAutofit/>
-          </a:bodyPr>
-          <a:lstStyle/>
-          <a:p>
-            <a:pPr marL="0" lvl="0" indent="0" algn="l" rtl="0">
-              <a:spcBef>
-                <a:spcPts val="0"/>
-              </a:spcBef>
-              <a:spcAft>
-                <a:spcPts val="0"/>
-              </a:spcAft>
-              <a:buNone/>
-            </a:pPr>
-            <a:r>
-              <a:rPr lang="en" sz="2000" dirty="0" smtClean="0">
-                <a:solidFill>
-                  <a:schemeClr val="lt1"/>
-                </a:solidFill>
-                <a:latin typeface="Share Tech"/>
-                <a:ea typeface="Share Tech"/>
-                <a:cs typeface="Share Tech"/>
-                <a:sym typeface="Share Tech"/>
-              </a:rPr>
-              <a:t>Churn</a:t>
-            </a:r>
-          </a:p>
-          <a:p>
-            <a:pPr marL="0" lvl="0" indent="0" algn="l" rtl="0">
-              <a:spcBef>
-                <a:spcPts val="0"/>
-              </a:spcBef>
-              <a:spcAft>
-                <a:spcPts val="0"/>
-              </a:spcAft>
-              <a:buNone/>
-            </a:pPr>
-            <a:endParaRPr sz="2000" dirty="0">
-              <a:solidFill>
-                <a:schemeClr val="lt1"/>
-              </a:solidFill>
-              <a:latin typeface="Share Tech"/>
-              <a:ea typeface="Share Tech"/>
-              <a:cs typeface="Share Tech"/>
-              <a:sym typeface="Share Tech"/>
-            </a:endParaRPr>
           </a:p>
         </p:txBody>
       </p:sp>
@@ -19884,7 +20264,7 @@
                   <a:schemeClr val="bg1"/>
                 </a:solidFill>
               </a:rPr>
-              <a:t>We can see that churn is low for customers which join lately or have made the contract for more than 7 </a:t>
+              <a:t>We can see that churn is </a:t>
             </a:r>
             <a:r>
               <a:rPr lang="en-US" sz="2000" dirty="0" smtClean="0">
@@ -19892,7 +20272,7 @@
                   <a:schemeClr val="bg1"/>
                 </a:solidFill>
               </a:rPr>
-              <a:t>years. </a:t>
+              <a:t>not a big difference </a:t>
             </a:r>
             <a:r>
               <a:rPr lang="en-US" sz="2000" dirty="0">
@@ -19900,7 +20280,711 @@
                   <a:schemeClr val="bg1"/>
                 </a:solidFill>
               </a:rPr>
-              <a:t>Most churn customers happen within 3-7 years.</a:t>
+              <a:t>for </a:t>
+            </a:r>
+            <a:r>
+              <a:rPr lang="en-US" sz="2000" dirty="0" smtClean="0">
+                <a:solidFill>
+                  <a:schemeClr val="bg1"/>
+                </a:solidFill>
+              </a:rPr>
+              <a:t>customers has gas or not.</a:t>
+            </a:r>
+            <a:endParaRPr sz="2000" dirty="0">
+              <a:solidFill>
+                <a:schemeClr val="bg1"/>
+              </a:solidFill>
+              <a:latin typeface="Share Tech"/>
+              <a:ea typeface="Share Tech"/>
+              <a:cs typeface="Share Tech"/>
+              <a:sym typeface="Share Tech"/>
+            </a:endParaRPr>
+          </a:p>
+        </p:txBody>
+      </p:sp>
+      <p:sp>
+        <p:nvSpPr>
+          <p:cNvPr id="995" name="Google Shape;995;p34"/>
+          <p:cNvSpPr/>
+          <p:nvPr/>
+        </p:nvSpPr>
+        <p:spPr>
+          <a:xfrm>
+            <a:off x="1108062" y="4649656"/>
+            <a:ext cx="138900" cy="138900"/>
+          </a:xfrm>
+          <a:prstGeom prst="rect">
+            <a:avLst/>
+          </a:prstGeom>
+          <a:solidFill>
+            <a:schemeClr val="accent2"/>
+          </a:solidFill>
+          <a:ln>
+            <a:noFill/>
+          </a:ln>
+        </p:spPr>
+        <p:txBody>
+          <a:bodyPr spcFirstLastPara="1" wrap="square" lIns="91425" tIns="91425" rIns="91425" bIns="91425" anchor="ctr" anchorCtr="0">
+            <a:noAutofit/>
+          </a:bodyPr>
+          <a:lstStyle/>
+          <a:p>
+            <a:pPr marL="0" lvl="0" indent="0" algn="l" rtl="0">
+              <a:spcBef>
+                <a:spcPts val="0"/>
+              </a:spcBef>
+              <a:spcAft>
+                <a:spcPts val="0"/>
+              </a:spcAft>
+              <a:buNone/>
+            </a:pPr>
+            <a:endParaRPr/>
+          </a:p>
+        </p:txBody>
+      </p:sp>
+      <p:sp>
+        <p:nvSpPr>
+          <p:cNvPr id="996" name="Google Shape;996;p34"/>
+          <p:cNvSpPr/>
+          <p:nvPr/>
+        </p:nvSpPr>
+        <p:spPr>
+          <a:xfrm>
+            <a:off x="3919103" y="4659302"/>
+            <a:ext cx="138900" cy="138900"/>
+          </a:xfrm>
+          <a:prstGeom prst="rect">
+            <a:avLst/>
+          </a:prstGeom>
+          <a:solidFill>
+            <a:schemeClr val="accent3"/>
+          </a:solidFill>
+          <a:ln>
+            <a:noFill/>
+          </a:ln>
+        </p:spPr>
+        <p:txBody>
+          <a:bodyPr spcFirstLastPara="1" wrap="square" lIns="91425" tIns="91425" rIns="91425" bIns="91425" anchor="ctr" anchorCtr="0">
+            <a:noAutofit/>
+          </a:bodyPr>
+          <a:lstStyle/>
+          <a:p>
+            <a:pPr marL="0" lvl="0" indent="0" algn="l" rtl="0">
+              <a:spcBef>
+                <a:spcPts val="0"/>
+              </a:spcBef>
+              <a:spcAft>
+                <a:spcPts val="0"/>
+              </a:spcAft>
+              <a:buNone/>
+            </a:pPr>
+            <a:endParaRPr/>
+          </a:p>
+        </p:txBody>
+      </p:sp>
+      <p:sp>
+        <p:nvSpPr>
+          <p:cNvPr id="997" name="Google Shape;997;p34"/>
+          <p:cNvSpPr txBox="1">
+            <a:spLocks noGrp="1"/>
+          </p:cNvSpPr>
+          <p:nvPr>
+            <p:ph type="subTitle" idx="4294967295"/>
+          </p:nvPr>
+        </p:nvSpPr>
+        <p:spPr>
+          <a:xfrm>
+            <a:off x="1267211" y="4533452"/>
+            <a:ext cx="1236614" cy="390600"/>
+          </a:xfrm>
+          <a:prstGeom prst="rect">
+            <a:avLst/>
+          </a:prstGeom>
+        </p:spPr>
+        <p:txBody>
+          <a:bodyPr spcFirstLastPara="1" wrap="square" lIns="91425" tIns="91425" rIns="91425" bIns="91425" anchor="b" anchorCtr="0">
+            <a:noAutofit/>
+          </a:bodyPr>
+          <a:lstStyle/>
+          <a:p>
+            <a:pPr marL="0" lvl="0" indent="0" algn="l" rtl="0">
+              <a:lnSpc>
+                <a:spcPct val="100000"/>
+              </a:lnSpc>
+              <a:spcBef>
+                <a:spcPts val="0"/>
+              </a:spcBef>
+              <a:spcAft>
+                <a:spcPts val="0"/>
+              </a:spcAft>
+              <a:buNone/>
+            </a:pPr>
+            <a:r>
+              <a:rPr lang="en" dirty="0" smtClean="0"/>
+              <a:t>NO GAS</a:t>
+            </a:r>
+            <a:endParaRPr dirty="0"/>
+          </a:p>
+        </p:txBody>
+      </p:sp>
+      <p:sp>
+        <p:nvSpPr>
+          <p:cNvPr id="998" name="Google Shape;998;p34"/>
+          <p:cNvSpPr txBox="1">
+            <a:spLocks noGrp="1"/>
+          </p:cNvSpPr>
+          <p:nvPr>
+            <p:ph type="subTitle" idx="4294967295"/>
+          </p:nvPr>
+        </p:nvSpPr>
+        <p:spPr>
+          <a:xfrm>
+            <a:off x="4058003" y="4533452"/>
+            <a:ext cx="1128600" cy="390600"/>
+          </a:xfrm>
+          <a:prstGeom prst="rect">
+            <a:avLst/>
+          </a:prstGeom>
+        </p:spPr>
+        <p:txBody>
+          <a:bodyPr spcFirstLastPara="1" wrap="square" lIns="91425" tIns="91425" rIns="91425" bIns="91425" anchor="b" anchorCtr="0">
+            <a:noAutofit/>
+          </a:bodyPr>
+          <a:lstStyle/>
+          <a:p>
+            <a:pPr marL="0" lvl="0" indent="0" algn="l" rtl="0">
+              <a:lnSpc>
+                <a:spcPct val="100000"/>
+              </a:lnSpc>
+              <a:spcBef>
+                <a:spcPts val="0"/>
+              </a:spcBef>
+              <a:spcAft>
+                <a:spcPts val="0"/>
+              </a:spcAft>
+              <a:buNone/>
+            </a:pPr>
+            <a:r>
+              <a:rPr lang="en" dirty="0" smtClean="0"/>
+              <a:t>HAS GAS</a:t>
+            </a:r>
+            <a:endParaRPr dirty="0"/>
+          </a:p>
+        </p:txBody>
+      </p:sp>
+      <p:pic>
+        <p:nvPicPr>
+          <p:cNvPr id="3" name="Picture 2"/>
+          <p:cNvPicPr>
+            <a:picLocks noChangeAspect="1"/>
+          </p:cNvPicPr>
+          <p:nvPr/>
+        </p:nvPicPr>
+        <p:blipFill>
+          <a:blip r:embed="rId3">
+            <a:extLst>
+              <a:ext uri="{28A0092B-C50C-407E-A947-70E740481C1C}">
+                <a14:useLocalDpi xmlns:a14="http://schemas.microsoft.com/office/drawing/2010/main" val="0"/>
+              </a:ext>
+            </a:extLst>
+          </a:blip>
+          <a:stretch>
+            <a:fillRect/>
+          </a:stretch>
+        </p:blipFill>
+        <p:spPr>
+          <a:xfrm>
+            <a:off x="339048" y="1500304"/>
+            <a:ext cx="5517222" cy="3013982"/>
+          </a:xfrm>
+          <a:prstGeom prst="rect">
+            <a:avLst/>
+          </a:prstGeom>
+        </p:spPr>
+      </p:pic>
+    </p:spTree>
+    <p:extLst>
+      <p:ext uri="{BB962C8B-B14F-4D97-AF65-F5344CB8AC3E}">
+        <p14:creationId xmlns:p14="http://schemas.microsoft.com/office/powerpoint/2010/main" val="3901170732"/>
+      </p:ext>
+    </p:extLst>
+  </p:cSld>
+  <p:clrMapOvr>
+    <a:masterClrMapping/>
+  </p:clrMapOvr>
+</p:sld>
+</file>
+
+<file path=ppt/slides/slide12.xml><?xml version="1.0" encoding="utf-8"?>
+<p:sld xmlns:a="http://schemas.openxmlformats.org/drawingml/2006/main" xmlns:r="http://schemas.openxmlformats.org/officeDocument/2006/relationships" xmlns:p="http://schemas.openxmlformats.org/presentationml/2006/main">
+  <p:cSld>
+    <p:spTree>
+      <p:nvGrpSpPr>
+        <p:cNvPr id="1" name="Shape 712"/>
+        <p:cNvGrpSpPr/>
+        <p:nvPr/>
+      </p:nvGrpSpPr>
+      <p:grpSpPr>
+        <a:xfrm>
+          <a:off x="0" y="0"/>
+          <a:ext cx="0" cy="0"/>
+          <a:chOff x="0" y="0"/>
+          <a:chExt cx="0" cy="0"/>
+        </a:xfrm>
+      </p:grpSpPr>
+      <p:sp>
+        <p:nvSpPr>
+          <p:cNvPr id="713" name="Google Shape;713;p34"/>
+          <p:cNvSpPr txBox="1">
+            <a:spLocks noGrp="1"/>
+          </p:cNvSpPr>
+          <p:nvPr>
+            <p:ph type="ctrTitle"/>
+          </p:nvPr>
+        </p:nvSpPr>
+        <p:spPr>
+          <a:xfrm>
+            <a:off x="618824" y="411675"/>
+            <a:ext cx="6829939" cy="577800"/>
+          </a:xfrm>
+          <a:prstGeom prst="rect">
+            <a:avLst/>
+          </a:prstGeom>
+        </p:spPr>
+        <p:txBody>
+          <a:bodyPr spcFirstLastPara="1" wrap="square" lIns="91425" tIns="91425" rIns="91425" bIns="91425" anchor="b" anchorCtr="0">
+            <a:noAutofit/>
+          </a:bodyPr>
+          <a:lstStyle/>
+          <a:p>
+            <a:pPr marL="0" lvl="0" indent="0" algn="l" rtl="0">
+              <a:spcBef>
+                <a:spcPts val="0"/>
+              </a:spcBef>
+              <a:spcAft>
+                <a:spcPts val="0"/>
+              </a:spcAft>
+              <a:buNone/>
+            </a:pPr>
+            <a:r>
+              <a:rPr lang="en" dirty="0" smtClean="0"/>
+              <a:t>Model Evaluation - XGBoost</a:t>
+            </a:r>
+            <a:endParaRPr dirty="0"/>
+          </a:p>
+        </p:txBody>
+      </p:sp>
+      <p:sp>
+        <p:nvSpPr>
+          <p:cNvPr id="715" name="Google Shape;715;p34"/>
+          <p:cNvSpPr txBox="1"/>
+          <p:nvPr/>
+        </p:nvSpPr>
+        <p:spPr>
+          <a:xfrm>
+            <a:off x="875677" y="1561670"/>
+            <a:ext cx="2340132" cy="1489753"/>
+          </a:xfrm>
+          <a:prstGeom prst="rect">
+            <a:avLst/>
+          </a:prstGeom>
+          <a:noFill/>
+          <a:ln>
+            <a:noFill/>
+          </a:ln>
+        </p:spPr>
+        <p:txBody>
+          <a:bodyPr spcFirstLastPara="1" wrap="square" lIns="91425" tIns="91425" rIns="91425" bIns="91425" anchor="t" anchorCtr="0">
+            <a:noAutofit/>
+          </a:bodyPr>
+          <a:lstStyle/>
+          <a:p>
+            <a:pPr lvl="0">
+              <a:lnSpc>
+                <a:spcPct val="200000"/>
+              </a:lnSpc>
+            </a:pPr>
+            <a:r>
+              <a:rPr lang="en-US" sz="1600" dirty="0" smtClean="0">
+                <a:solidFill>
+                  <a:schemeClr val="bg1"/>
+                </a:solidFill>
+              </a:rPr>
+              <a:t>Model performance:</a:t>
+            </a:r>
+            <a:endParaRPr sz="1600" dirty="0">
+              <a:solidFill>
+                <a:schemeClr val="bg1"/>
+              </a:solidFill>
+              <a:latin typeface="Share Tech"/>
+              <a:ea typeface="Share Tech"/>
+              <a:cs typeface="Share Tech"/>
+              <a:sym typeface="Share Tech"/>
+            </a:endParaRPr>
+          </a:p>
+        </p:txBody>
+      </p:sp>
+      <p:sp>
+        <p:nvSpPr>
+          <p:cNvPr id="995" name="Google Shape;995;p34"/>
+          <p:cNvSpPr/>
+          <p:nvPr/>
+        </p:nvSpPr>
+        <p:spPr>
+          <a:xfrm>
+            <a:off x="1143200" y="4267825"/>
+            <a:ext cx="138900" cy="138900"/>
+          </a:xfrm>
+          <a:prstGeom prst="rect">
+            <a:avLst/>
+          </a:prstGeom>
+          <a:solidFill>
+            <a:schemeClr val="accent2"/>
+          </a:solidFill>
+          <a:ln>
+            <a:noFill/>
+          </a:ln>
+        </p:spPr>
+        <p:txBody>
+          <a:bodyPr spcFirstLastPara="1" wrap="square" lIns="91425" tIns="91425" rIns="91425" bIns="91425" anchor="ctr" anchorCtr="0">
+            <a:noAutofit/>
+          </a:bodyPr>
+          <a:lstStyle/>
+          <a:p>
+            <a:pPr marL="0" lvl="0" indent="0" algn="l" rtl="0">
+              <a:spcBef>
+                <a:spcPts val="0"/>
+              </a:spcBef>
+              <a:spcAft>
+                <a:spcPts val="0"/>
+              </a:spcAft>
+              <a:buNone/>
+            </a:pPr>
+            <a:endParaRPr/>
+          </a:p>
+        </p:txBody>
+      </p:sp>
+      <p:sp>
+        <p:nvSpPr>
+          <p:cNvPr id="996" name="Google Shape;996;p34"/>
+          <p:cNvSpPr/>
+          <p:nvPr/>
+        </p:nvSpPr>
+        <p:spPr>
+          <a:xfrm>
+            <a:off x="2810075" y="4267825"/>
+            <a:ext cx="138900" cy="138900"/>
+          </a:xfrm>
+          <a:prstGeom prst="rect">
+            <a:avLst/>
+          </a:prstGeom>
+          <a:solidFill>
+            <a:schemeClr val="accent3"/>
+          </a:solidFill>
+          <a:ln>
+            <a:noFill/>
+          </a:ln>
+        </p:spPr>
+        <p:txBody>
+          <a:bodyPr spcFirstLastPara="1" wrap="square" lIns="91425" tIns="91425" rIns="91425" bIns="91425" anchor="ctr" anchorCtr="0">
+            <a:noAutofit/>
+          </a:bodyPr>
+          <a:lstStyle/>
+          <a:p>
+            <a:pPr marL="0" lvl="0" indent="0" algn="l" rtl="0">
+              <a:spcBef>
+                <a:spcPts val="0"/>
+              </a:spcBef>
+              <a:spcAft>
+                <a:spcPts val="0"/>
+              </a:spcAft>
+              <a:buNone/>
+            </a:pPr>
+            <a:endParaRPr/>
+          </a:p>
+        </p:txBody>
+      </p:sp>
+      <p:pic>
+        <p:nvPicPr>
+          <p:cNvPr id="2" name="Picture 1"/>
+          <p:cNvPicPr>
+            <a:picLocks noChangeAspect="1"/>
+          </p:cNvPicPr>
+          <p:nvPr/>
+        </p:nvPicPr>
+        <p:blipFill>
+          <a:blip r:embed="rId3">
+            <a:extLst>
+              <a:ext uri="{28A0092B-C50C-407E-A947-70E740481C1C}">
+                <a14:useLocalDpi xmlns:a14="http://schemas.microsoft.com/office/drawing/2010/main" val="0"/>
+              </a:ext>
+            </a:extLst>
+          </a:blip>
+          <a:stretch>
+            <a:fillRect/>
+          </a:stretch>
+        </p:blipFill>
+        <p:spPr>
+          <a:xfrm>
+            <a:off x="3487770" y="1703055"/>
+            <a:ext cx="3830864" cy="1206985"/>
+          </a:xfrm>
+          <a:prstGeom prst="rect">
+            <a:avLst/>
+          </a:prstGeom>
+        </p:spPr>
+      </p:pic>
+      <p:sp>
+        <p:nvSpPr>
+          <p:cNvPr id="7" name="Google Shape;715;p34"/>
+          <p:cNvSpPr txBox="1"/>
+          <p:nvPr/>
+        </p:nvSpPr>
+        <p:spPr>
+          <a:xfrm>
+            <a:off x="690743" y="3051423"/>
+            <a:ext cx="8196404" cy="1489753"/>
+          </a:xfrm>
+          <a:prstGeom prst="rect">
+            <a:avLst/>
+          </a:prstGeom>
+          <a:noFill/>
+          <a:ln>
+            <a:noFill/>
+          </a:ln>
+        </p:spPr>
+        <p:txBody>
+          <a:bodyPr spcFirstLastPara="1" wrap="square" lIns="91425" tIns="91425" rIns="91425" bIns="91425" anchor="t" anchorCtr="0">
+            <a:noAutofit/>
+          </a:bodyPr>
+          <a:lstStyle/>
+          <a:p>
+            <a:r>
+              <a:rPr lang="en-US" sz="1200" dirty="0" smtClean="0">
+                <a:solidFill>
+                  <a:schemeClr val="bg1"/>
+                </a:solidFill>
+              </a:rPr>
+              <a:t>Accuracy </a:t>
+            </a:r>
+            <a:r>
+              <a:rPr lang="en-US" sz="1200" dirty="0">
+                <a:solidFill>
+                  <a:schemeClr val="bg1"/>
+                </a:solidFill>
+              </a:rPr>
+              <a:t>: The most intuitive performance measure and it is simply a ratio of correctly predicted observation to the total observations</a:t>
+            </a:r>
+            <a:r>
+              <a:rPr lang="en-US" sz="1200" dirty="0" smtClean="0">
+                <a:solidFill>
+                  <a:schemeClr val="bg1"/>
+                </a:solidFill>
+              </a:rPr>
+              <a:t>.</a:t>
+            </a:r>
+          </a:p>
+          <a:p>
+            <a:endParaRPr lang="en-US" sz="1200" dirty="0" smtClean="0">
+              <a:solidFill>
+                <a:schemeClr val="bg1"/>
+              </a:solidFill>
+            </a:endParaRPr>
+          </a:p>
+          <a:p>
+            <a:r>
+              <a:rPr lang="en-US" sz="1200" dirty="0" smtClean="0">
+                <a:solidFill>
+                  <a:schemeClr val="bg1"/>
+                </a:solidFill>
+              </a:rPr>
+              <a:t>Precision </a:t>
+            </a:r>
+            <a:r>
+              <a:rPr lang="en-US" sz="1200" dirty="0">
+                <a:solidFill>
+                  <a:schemeClr val="bg1"/>
+                </a:solidFill>
+              </a:rPr>
+              <a:t>: The ratio of correctly predicted positive observations to the total predicted positive </a:t>
+            </a:r>
+            <a:r>
+              <a:rPr lang="en-US" sz="1200" dirty="0" smtClean="0">
+                <a:solidFill>
+                  <a:schemeClr val="bg1"/>
+                </a:solidFill>
+              </a:rPr>
+              <a:t>observations</a:t>
+            </a:r>
+          </a:p>
+          <a:p>
+            <a:endParaRPr lang="en-US" sz="1200" dirty="0" smtClean="0">
+              <a:solidFill>
+                <a:schemeClr val="bg1"/>
+              </a:solidFill>
+            </a:endParaRPr>
+          </a:p>
+          <a:p>
+            <a:r>
+              <a:rPr lang="en-US" sz="1200" dirty="0" smtClean="0">
+                <a:solidFill>
+                  <a:schemeClr val="bg1"/>
+                </a:solidFill>
+              </a:rPr>
+              <a:t>Recall </a:t>
+            </a:r>
+            <a:r>
+              <a:rPr lang="en-US" sz="1200" dirty="0">
+                <a:solidFill>
+                  <a:schemeClr val="bg1"/>
+                </a:solidFill>
+              </a:rPr>
+              <a:t>(Sensitivity): The ratio of correctly predicted positive observations to the all observations in actual class</a:t>
+            </a:r>
+            <a:endParaRPr sz="1200" dirty="0">
+              <a:solidFill>
+                <a:schemeClr val="bg1"/>
+              </a:solidFill>
+              <a:latin typeface="Share Tech"/>
+              <a:ea typeface="Share Tech"/>
+              <a:cs typeface="Share Tech"/>
+              <a:sym typeface="Share Tech"/>
+            </a:endParaRPr>
+          </a:p>
+        </p:txBody>
+      </p:sp>
+    </p:spTree>
+    <p:extLst>
+      <p:ext uri="{BB962C8B-B14F-4D97-AF65-F5344CB8AC3E}">
+        <p14:creationId xmlns:p14="http://schemas.microsoft.com/office/powerpoint/2010/main" val="1968952713"/>
+      </p:ext>
+    </p:extLst>
+  </p:cSld>
+  <p:clrMapOvr>
+    <a:masterClrMapping/>
+  </p:clrMapOvr>
+</p:sld>
+</file>
+
+<file path=ppt/slides/slide13.xml><?xml version="1.0" encoding="utf-8"?>
+<p:sld xmlns:a="http://schemas.openxmlformats.org/drawingml/2006/main" xmlns:r="http://schemas.openxmlformats.org/officeDocument/2006/relationships" xmlns:p="http://schemas.openxmlformats.org/presentationml/2006/main">
+  <p:cSld>
+    <p:spTree>
+      <p:nvGrpSpPr>
+        <p:cNvPr id="1" name="Shape 712"/>
+        <p:cNvGrpSpPr/>
+        <p:nvPr/>
+      </p:nvGrpSpPr>
+      <p:grpSpPr>
+        <a:xfrm>
+          <a:off x="0" y="0"/>
+          <a:ext cx="0" cy="0"/>
+          <a:chOff x="0" y="0"/>
+          <a:chExt cx="0" cy="0"/>
+        </a:xfrm>
+      </p:grpSpPr>
+      <p:sp>
+        <p:nvSpPr>
+          <p:cNvPr id="713" name="Google Shape;713;p34"/>
+          <p:cNvSpPr txBox="1">
+            <a:spLocks noGrp="1"/>
+          </p:cNvSpPr>
+          <p:nvPr>
+            <p:ph type="ctrTitle"/>
+          </p:nvPr>
+        </p:nvSpPr>
+        <p:spPr>
+          <a:xfrm>
+            <a:off x="618824" y="411675"/>
+            <a:ext cx="6829939" cy="577800"/>
+          </a:xfrm>
+          <a:prstGeom prst="rect">
+            <a:avLst/>
+          </a:prstGeom>
+        </p:spPr>
+        <p:txBody>
+          <a:bodyPr spcFirstLastPara="1" wrap="square" lIns="91425" tIns="91425" rIns="91425" bIns="91425" anchor="b" anchorCtr="0">
+            <a:noAutofit/>
+          </a:bodyPr>
+          <a:lstStyle/>
+          <a:p>
+            <a:pPr marL="0" lvl="0" indent="0" algn="l" rtl="0">
+              <a:spcBef>
+                <a:spcPts val="0"/>
+              </a:spcBef>
+              <a:spcAft>
+                <a:spcPts val="0"/>
+              </a:spcAft>
+              <a:buNone/>
+            </a:pPr>
+            <a:r>
+              <a:rPr lang="en" dirty="0" smtClean="0"/>
+              <a:t>Exam Model – 5 Fold Cross Validation</a:t>
+            </a:r>
+            <a:endParaRPr dirty="0"/>
+          </a:p>
+        </p:txBody>
+      </p:sp>
+      <p:sp>
+        <p:nvSpPr>
+          <p:cNvPr id="715" name="Google Shape;715;p34"/>
+          <p:cNvSpPr txBox="1"/>
+          <p:nvPr/>
+        </p:nvSpPr>
+        <p:spPr>
+          <a:xfrm>
+            <a:off x="875677" y="1561670"/>
+            <a:ext cx="2340132" cy="1489753"/>
+          </a:xfrm>
+          <a:prstGeom prst="rect">
+            <a:avLst/>
+          </a:prstGeom>
+          <a:noFill/>
+          <a:ln>
+            <a:noFill/>
+          </a:ln>
+        </p:spPr>
+        <p:txBody>
+          <a:bodyPr spcFirstLastPara="1" wrap="square" lIns="91425" tIns="91425" rIns="91425" bIns="91425" anchor="t" anchorCtr="0">
+            <a:noAutofit/>
+          </a:bodyPr>
+          <a:lstStyle/>
+          <a:p>
+            <a:pPr lvl="0">
+              <a:lnSpc>
+                <a:spcPct val="200000"/>
+              </a:lnSpc>
+            </a:pPr>
+            <a:r>
+              <a:rPr lang="en-US" sz="2000" dirty="0" smtClean="0">
+                <a:solidFill>
+                  <a:schemeClr val="bg1"/>
+                </a:solidFill>
+              </a:rPr>
+              <a:t>Best parameters</a:t>
+            </a:r>
+          </a:p>
+          <a:p>
+            <a:pPr lvl="0">
+              <a:lnSpc>
+                <a:spcPct val="200000"/>
+              </a:lnSpc>
+            </a:pPr>
+            <a:r>
+              <a:rPr lang="en-US" sz="2000" dirty="0" smtClean="0">
+                <a:solidFill>
+                  <a:schemeClr val="bg1"/>
+                </a:solidFill>
+              </a:rPr>
+              <a:t>found</a:t>
+            </a:r>
+            <a:r>
+              <a:rPr lang="en-US" sz="2000" dirty="0" smtClean="0">
+                <a:solidFill>
+                  <a:schemeClr val="bg1"/>
+                </a:solidFill>
+              </a:rPr>
+              <a:t>:</a:t>
             </a:r>
             <a:endParaRPr sz="2000" dirty="0">
               <a:solidFill>
@@ -19994,20 +21078,80 @@
           </a:p>
         </p:txBody>
       </p:sp>
+      <p:pic>
+        <p:nvPicPr>
+          <p:cNvPr id="3" name="Picture 2"/>
+          <p:cNvPicPr>
+            <a:picLocks noChangeAspect="1"/>
+          </p:cNvPicPr>
+          <p:nvPr/>
+        </p:nvPicPr>
+        <p:blipFill>
+          <a:blip r:embed="rId3">
+            <a:extLst>
+              <a:ext uri="{28A0092B-C50C-407E-A947-70E740481C1C}">
+                <a14:useLocalDpi xmlns:a14="http://schemas.microsoft.com/office/drawing/2010/main" val="0"/>
+              </a:ext>
+            </a:extLst>
+          </a:blip>
+          <a:stretch>
+            <a:fillRect/>
+          </a:stretch>
+        </p:blipFill>
+        <p:spPr>
+          <a:xfrm>
+            <a:off x="3812495" y="1561669"/>
+            <a:ext cx="2942713" cy="2024011"/>
+          </a:xfrm>
+          <a:prstGeom prst="rect">
+            <a:avLst/>
+          </a:prstGeom>
+        </p:spPr>
+      </p:pic>
+    </p:spTree>
+    <p:extLst>
+      <p:ext uri="{BB962C8B-B14F-4D97-AF65-F5344CB8AC3E}">
+        <p14:creationId xmlns:p14="http://schemas.microsoft.com/office/powerpoint/2010/main" val="4262594387"/>
+      </p:ext>
+    </p:extLst>
+  </p:cSld>
+  <p:clrMapOvr>
+    <a:masterClrMapping/>
+  </p:clrMapOvr>
+</p:sld>
+</file>
+
+<file path=ppt/slides/slide14.xml><?xml version="1.0" encoding="utf-8"?>
+<p:sld xmlns:a="http://schemas.openxmlformats.org/drawingml/2006/main" xmlns:r="http://schemas.openxmlformats.org/officeDocument/2006/relationships" xmlns:p="http://schemas.openxmlformats.org/presentationml/2006/main">
+  <p:cSld>
+    <p:spTree>
+      <p:nvGrpSpPr>
+        <p:cNvPr id="1" name="Shape 712"/>
+        <p:cNvGrpSpPr/>
+        <p:nvPr/>
+      </p:nvGrpSpPr>
+      <p:grpSpPr>
+        <a:xfrm>
+          <a:off x="0" y="0"/>
+          <a:ext cx="0" cy="0"/>
+          <a:chOff x="0" y="0"/>
+          <a:chExt cx="0" cy="0"/>
+        </a:xfrm>
+      </p:grpSpPr>
       <p:sp>
         <p:nvSpPr>
-          <p:cNvPr id="997" name="Google Shape;997;p34"/>
+          <p:cNvPr id="713" name="Google Shape;713;p34"/>
           <p:cNvSpPr txBox="1">
             <a:spLocks noGrp="1"/>
           </p:cNvSpPr>
           <p:nvPr>
-            <p:ph type="subTitle" idx="4294967295"/>
+            <p:ph type="ctrTitle"/>
           </p:nvPr>
         </p:nvSpPr>
         <p:spPr>
           <a:xfrm>
-            <a:off x="1386875" y="4141975"/>
-            <a:ext cx="1236614" cy="390600"/>
+            <a:off x="618824" y="411675"/>
+            <a:ext cx="6829939" cy="577800"/>
           </a:xfrm>
           <a:prstGeom prst="rect">
             <a:avLst/>
@@ -20020,9 +21164,6 @@
           <a:lstStyle/>
           <a:p>
             <a:pPr marL="0" lvl="0" indent="0" algn="l" rtl="0">
-              <a:lnSpc>
-                <a:spcPct val="100000"/>
-              </a:lnSpc>
               <a:spcBef>
                 <a:spcPts val="0"/>
               </a:spcBef>
@@ -20033,7 +21174,7 @@
             </a:pPr>
             <a:r>
               <a:rPr lang="en" dirty="0" smtClean="0"/>
-              <a:t>Retention</a:t>
+              <a:t>Model Evaluation – XGBoost ROC Curve</a:t>
             </a:r>
             <a:endParaRPr dirty="0"/>
           </a:p>
@@ -20041,113 +21182,45 @@
       </p:sp>
       <p:sp>
         <p:nvSpPr>
-          <p:cNvPr id="998" name="Google Shape;998;p34"/>
-          <p:cNvSpPr txBox="1">
-            <a:spLocks noGrp="1"/>
-          </p:cNvSpPr>
-          <p:nvPr>
-            <p:ph type="subTitle" idx="4294967295"/>
-          </p:nvPr>
+          <p:cNvPr id="715" name="Google Shape;715;p34"/>
+          <p:cNvSpPr txBox="1"/>
+          <p:nvPr/>
         </p:nvSpPr>
         <p:spPr>
           <a:xfrm>
-            <a:off x="3378425" y="4142852"/>
-            <a:ext cx="1128600" cy="390600"/>
+            <a:off x="469943" y="989475"/>
+            <a:ext cx="2340132" cy="1489753"/>
           </a:xfrm>
           <a:prstGeom prst="rect">
             <a:avLst/>
           </a:prstGeom>
+          <a:noFill/>
+          <a:ln>
+            <a:noFill/>
+          </a:ln>
         </p:spPr>
         <p:txBody>
-          <a:bodyPr spcFirstLastPara="1" wrap="square" lIns="91425" tIns="91425" rIns="91425" bIns="91425" anchor="b" anchorCtr="0">
+          <a:bodyPr spcFirstLastPara="1" wrap="square" lIns="91425" tIns="91425" rIns="91425" bIns="91425" anchor="t" anchorCtr="0">
             <a:noAutofit/>
           </a:bodyPr>
           <a:lstStyle/>
           <a:p>
-            <a:pPr marL="0" lvl="0" indent="0" algn="l" rtl="0">
+            <a:pPr lvl="0">
               <a:lnSpc>
-                <a:spcPct val="100000"/>
+                <a:spcPct val="200000"/>
               </a:lnSpc>
-              <a:spcBef>
-                <a:spcPts val="0"/>
-              </a:spcBef>
-              <a:spcAft>
-                <a:spcPts val="0"/>
-              </a:spcAft>
-              <a:buNone/>
             </a:pPr>
             <a:r>
-              <a:rPr lang="en" dirty="0" smtClean="0"/>
-              <a:t>Churn</a:t>
+              <a:rPr lang="en-US" sz="1600" dirty="0" smtClean="0">
+                <a:solidFill>
+                  <a:schemeClr val="bg1"/>
+                </a:solidFill>
+              </a:rPr>
+              <a:t>Model performance:</a:t>
             </a:r>
-            <a:endParaRPr dirty="0"/>
-          </a:p>
-        </p:txBody>
-      </p:sp>
-      <p:sp>
-        <p:nvSpPr>
-          <p:cNvPr id="1002" name="Google Shape;1002;p34"/>
-          <p:cNvSpPr txBox="1">
-            <a:spLocks noGrp="1"/>
-          </p:cNvSpPr>
-          <p:nvPr>
-            <p:ph type="subTitle" idx="4294967295"/>
-          </p:nvPr>
-        </p:nvSpPr>
-        <p:spPr>
-          <a:xfrm>
-            <a:off x="1489099" y="4470411"/>
-            <a:ext cx="908700" cy="390600"/>
-          </a:xfrm>
-          <a:prstGeom prst="rect">
-            <a:avLst/>
-          </a:prstGeom>
-        </p:spPr>
-        <p:txBody>
-          <a:bodyPr spcFirstLastPara="1" wrap="square" lIns="91425" tIns="91425" rIns="91425" bIns="91425" anchor="b" anchorCtr="0">
-            <a:noAutofit/>
-          </a:bodyPr>
-          <a:lstStyle/>
-          <a:p>
-            <a:pPr marL="0" lvl="0" indent="0" algn="ctr" rtl="0">
-              <a:lnSpc>
-                <a:spcPct val="100000"/>
-              </a:lnSpc>
-              <a:spcBef>
-                <a:spcPts val="0"/>
-              </a:spcBef>
-              <a:spcAft>
-                <a:spcPts val="0"/>
-              </a:spcAft>
-              <a:buNone/>
-            </a:pPr>
-            <a:r>
-              <a:rPr lang="en" sz="2200" dirty="0" smtClean="0">
-                <a:solidFill>
-                  <a:schemeClr val="accent1"/>
-                </a:solidFill>
-                <a:latin typeface="Share Tech"/>
-                <a:ea typeface="Share Tech"/>
-                <a:cs typeface="Share Tech"/>
-                <a:sym typeface="Share Tech"/>
-              </a:rPr>
-              <a:t>90</a:t>
-            </a:r>
-            <a:r>
-              <a:rPr lang="en" sz="2200" dirty="0">
-                <a:solidFill>
-                  <a:schemeClr val="accent1"/>
-                </a:solidFill>
-                <a:latin typeface="Share Tech"/>
-                <a:ea typeface="Share Tech"/>
-                <a:cs typeface="Share Tech"/>
-                <a:sym typeface="Share Tech"/>
-              </a:rPr>
-              <a:t>%</a:t>
-            </a:r>
-            <a:endParaRPr sz="2200" dirty="0">
+            <a:endParaRPr sz="1600" dirty="0">
               <a:solidFill>
-                <a:schemeClr val="accent1"/>
+                <a:schemeClr val="bg1"/>
               </a:solidFill>
               <a:latin typeface="Share Tech"/>
               <a:ea typeface="Share Tech"/>
@@ -20159,33 +21232,32 @@
       </p:sp>
       <p:sp>
         <p:nvSpPr>
-          <p:cNvPr id="1003" name="Google Shape;1003;p34"/>
-          <p:cNvSpPr txBox="1">
-            <a:spLocks noGrp="1"/>
-          </p:cNvSpPr>
-          <p:nvPr>
-            <p:ph type="subTitle" idx="4294967295"/>
-          </p:nvPr>
+          <p:cNvPr id="995" name="Google Shape;995;p34"/>
+          <p:cNvSpPr/>
+          <p:nvPr/>
         </p:nvSpPr>
         <p:spPr>
           <a:xfrm>
-            <a:off x="3378425" y="4470411"/>
-            <a:ext cx="908700" cy="390600"/>
+            <a:off x="1143200" y="4267825"/>
+            <a:ext cx="138900" cy="138900"/>
           </a:xfrm>
           <a:prstGeom prst="rect">
             <a:avLst/>
           </a:prstGeom>
+          <a:solidFill>
+            <a:schemeClr val="accent2"/>
+          </a:solidFill>
+          <a:ln>
+            <a:noFill/>
+          </a:ln>
         </p:spPr>
         <p:txBody>
-          <a:bodyPr spcFirstLastPara="1" wrap="square" lIns="91425" tIns="91425" rIns="91425" bIns="91425" anchor="b" anchorCtr="0">
+          <a:bodyPr spcFirstLastPara="1" wrap="square" lIns="91425" tIns="91425" rIns="91425" bIns="91425" anchor="ctr" anchorCtr="0">
             <a:noAutofit/>
           </a:bodyPr>
           <a:lstStyle/>
           <a:p>
-            <a:pPr marL="0" lvl="0" indent="0" algn="ctr" rtl="0">
-              <a:lnSpc>
-                <a:spcPct val="100000"/>
-              </a:lnSpc>
+            <a:pPr marL="0" lvl="0" indent="0" algn="l" rtl="0">
               <a:spcBef>
                 <a:spcPts val="0"/>
               </a:spcBef>
@@ -20194,39 +21266,47 @@
               </a:spcAft>
               <a:buNone/>
             </a:pPr>
-            <a:r>
-              <a:rPr lang="en" sz="2200" dirty="0" smtClean="0">
-                <a:solidFill>
-                  <a:schemeClr val="accent2"/>
-                </a:solidFill>
-                <a:latin typeface="Share Tech"/>
-                <a:ea typeface="Share Tech"/>
-                <a:cs typeface="Share Tech"/>
-                <a:sym typeface="Share Tech"/>
-              </a:rPr>
-              <a:t>10</a:t>
-            </a:r>
-            <a:r>
-              <a:rPr lang="en" sz="2200" dirty="0">
-                <a:solidFill>
-                  <a:schemeClr val="accent2"/>
-                </a:solidFill>
-                <a:latin typeface="Share Tech"/>
-                <a:ea typeface="Share Tech"/>
-                <a:cs typeface="Share Tech"/>
-                <a:sym typeface="Share Tech"/>
-              </a:rPr>
-              <a:t>%</a:t>
-            </a:r>
-            <a:endParaRPr sz="2200" dirty="0">
-              <a:solidFill>
-                <a:schemeClr val="accent2"/>
-              </a:solidFill>
-              <a:latin typeface="Share Tech"/>
-              <a:ea typeface="Share Tech"/>
-              <a:cs typeface="Share Tech"/>
-              <a:sym typeface="Share Tech"/>
-            </a:endParaRPr>
+            <a:endParaRPr/>
+          </a:p>
+        </p:txBody>
+      </p:sp>
+      <p:sp>
+        <p:nvSpPr>
+          <p:cNvPr id="996" name="Google Shape;996;p34"/>
+          <p:cNvSpPr/>
+          <p:nvPr/>
+        </p:nvSpPr>
+        <p:spPr>
+          <a:xfrm>
+            <a:off x="2810075" y="4267825"/>
+            <a:ext cx="138900" cy="138900"/>
+          </a:xfrm>
+          <a:prstGeom prst="rect">
+            <a:avLst/>
+          </a:prstGeom>
+          <a:solidFill>
+            <a:schemeClr val="accent3"/>
+          </a:solidFill>
+          <a:ln>
+            <a:noFill/>
+          </a:ln>
+        </p:spPr>
+        <p:txBody>
+          <a:bodyPr spcFirstLastPara="1" wrap="square" lIns="91425" tIns="91425" rIns="91425" bIns="91425" anchor="ctr" anchorCtr="0">
+            <a:noAutofit/>
+          </a:bodyPr>
+          <a:lstStyle/>
+          <a:p>
+            <a:pPr marL="0" lvl="0" indent="0" algn="l" rtl="0">
+              <a:spcBef>
+                <a:spcPts val="0"/>
+              </a:spcBef>
+              <a:spcAft>
+                <a:spcPts val="0"/>
+              </a:spcAft>
+              <a:buNone/>
+            </a:pPr>
+            <a:endParaRPr/>
           </a:p>
         </p:txBody>
       </p:sp>
@@ -20252,8 +21332,8 @@
         </p:blipFill>
         <p:spPr>
           <a:xfrm>
-            <a:off x="37374" y="754912"/>
-            <a:ext cx="6118877" cy="4388588"/>
+            <a:off x="618824" y="1567275"/>
+            <a:ext cx="8022299" cy="3260025"/>
           </a:xfrm>
           <a:prstGeom prst="rect">
             <a:avLst/>
@@ -20263,7 +21343,7 @@
     </p:spTree>
     <p:extLst>
       <p:ext uri="{BB962C8B-B14F-4D97-AF65-F5344CB8AC3E}">
-        <p14:creationId xmlns:p14="http://schemas.microsoft.com/office/powerpoint/2010/main" val="1314490330"/>
+        <p14:creationId xmlns:p14="http://schemas.microsoft.com/office/powerpoint/2010/main" val="2949566467"/>
       </p:ext>
     </p:extLst>
   </p:cSld>
@@ -20273,7 +21353,7 @@
 </p:sld>
 </file>
 
-<file path=ppt/slides/slide12.xml><?xml version="1.0" encoding="utf-8"?>
+<file path=ppt/slides/slide15.xml><?xml version="1.0" encoding="utf-8"?>
 <p:sld xmlns:a="http://schemas.openxmlformats.org/drawingml/2006/main" xmlns:r="http://schemas.openxmlformats.org/officeDocument/2006/relationships" xmlns:p="http://schemas.openxmlformats.org/presentationml/2006/main">
   <p:cSld>
     <p:spTree>
@@ -20334,14 +21414,200 @@
       </p:sp>
       <p:sp>
         <p:nvSpPr>
-          <p:cNvPr id="714" name="Google Shape;714;p34"/>
+          <p:cNvPr id="995" name="Google Shape;995;p34"/>
+          <p:cNvSpPr/>
+          <p:nvPr/>
+        </p:nvSpPr>
+        <p:spPr>
+          <a:xfrm>
+            <a:off x="1143200" y="4267825"/>
+            <a:ext cx="138900" cy="138900"/>
+          </a:xfrm>
+          <a:prstGeom prst="rect">
+            <a:avLst/>
+          </a:prstGeom>
+          <a:solidFill>
+            <a:schemeClr val="accent2"/>
+          </a:solidFill>
+          <a:ln>
+            <a:noFill/>
+          </a:ln>
+        </p:spPr>
+        <p:txBody>
+          <a:bodyPr spcFirstLastPara="1" wrap="square" lIns="91425" tIns="91425" rIns="91425" bIns="91425" anchor="ctr" anchorCtr="0">
+            <a:noAutofit/>
+          </a:bodyPr>
+          <a:lstStyle/>
+          <a:p>
+            <a:pPr marL="0" lvl="0" indent="0" algn="l" rtl="0">
+              <a:spcBef>
+                <a:spcPts val="0"/>
+              </a:spcBef>
+              <a:spcAft>
+                <a:spcPts val="0"/>
+              </a:spcAft>
+              <a:buNone/>
+            </a:pPr>
+            <a:endParaRPr/>
+          </a:p>
+        </p:txBody>
+      </p:sp>
+      <p:sp>
+        <p:nvSpPr>
+          <p:cNvPr id="996" name="Google Shape;996;p34"/>
+          <p:cNvSpPr/>
+          <p:nvPr/>
+        </p:nvSpPr>
+        <p:spPr>
+          <a:xfrm>
+            <a:off x="2810075" y="4267825"/>
+            <a:ext cx="138900" cy="138900"/>
+          </a:xfrm>
+          <a:prstGeom prst="rect">
+            <a:avLst/>
+          </a:prstGeom>
+          <a:solidFill>
+            <a:schemeClr val="accent3"/>
+          </a:solidFill>
+          <a:ln>
+            <a:noFill/>
+          </a:ln>
+        </p:spPr>
+        <p:txBody>
+          <a:bodyPr spcFirstLastPara="1" wrap="square" lIns="91425" tIns="91425" rIns="91425" bIns="91425" anchor="ctr" anchorCtr="0">
+            <a:noAutofit/>
+          </a:bodyPr>
+          <a:lstStyle/>
+          <a:p>
+            <a:pPr marL="0" lvl="0" indent="0" algn="l" rtl="0">
+              <a:spcBef>
+                <a:spcPts val="0"/>
+              </a:spcBef>
+              <a:spcAft>
+                <a:spcPts val="0"/>
+              </a:spcAft>
+              <a:buNone/>
+            </a:pPr>
+            <a:endParaRPr/>
+          </a:p>
+        </p:txBody>
+      </p:sp>
+      <p:pic>
+        <p:nvPicPr>
+          <p:cNvPr id="3" name="Picture 2"/>
+          <p:cNvPicPr>
+            <a:picLocks noChangeAspect="1"/>
+          </p:cNvPicPr>
+          <p:nvPr/>
+        </p:nvPicPr>
+        <p:blipFill>
+          <a:blip r:embed="rId3">
+            <a:extLst>
+              <a:ext uri="{28A0092B-C50C-407E-A947-70E740481C1C}">
+                <a14:useLocalDpi xmlns:a14="http://schemas.microsoft.com/office/drawing/2010/main" val="0"/>
+              </a:ext>
+            </a:extLst>
+          </a:blip>
+          <a:stretch>
+            <a:fillRect/>
+          </a:stretch>
+        </p:blipFill>
+        <p:spPr>
+          <a:xfrm>
+            <a:off x="293930" y="1565723"/>
+            <a:ext cx="7925395" cy="2702102"/>
+          </a:xfrm>
+          <a:prstGeom prst="rect">
+            <a:avLst/>
+          </a:prstGeom>
+        </p:spPr>
+      </p:pic>
+    </p:spTree>
+    <p:extLst>
+      <p:ext uri="{BB962C8B-B14F-4D97-AF65-F5344CB8AC3E}">
+        <p14:creationId xmlns:p14="http://schemas.microsoft.com/office/powerpoint/2010/main" val="2523880525"/>
+      </p:ext>
+    </p:extLst>
+  </p:cSld>
+  <p:clrMapOvr>
+    <a:masterClrMapping/>
+  </p:clrMapOvr>
+</p:sld>
+</file>
+
+<file path=ppt/slides/slide16.xml><?xml version="1.0" encoding="utf-8"?>
+<p:sld xmlns:a="http://schemas.openxmlformats.org/drawingml/2006/main" xmlns:r="http://schemas.openxmlformats.org/officeDocument/2006/relationships" xmlns:p="http://schemas.openxmlformats.org/presentationml/2006/main">
+  <p:cSld>
+    <p:spTree>
+      <p:nvGrpSpPr>
+        <p:cNvPr id="1" name="Shape 712"/>
+        <p:cNvGrpSpPr/>
+        <p:nvPr/>
+      </p:nvGrpSpPr>
+      <p:grpSpPr>
+        <a:xfrm>
+          <a:off x="0" y="0"/>
+          <a:ext cx="0" cy="0"/>
+          <a:chOff x="0" y="0"/>
+          <a:chExt cx="0" cy="0"/>
+        </a:xfrm>
+      </p:grpSpPr>
+      <p:sp>
+        <p:nvSpPr>
+          <p:cNvPr id="713" name="Google Shape;713;p34"/>
+          <p:cNvSpPr txBox="1">
+            <a:spLocks noGrp="1"/>
+          </p:cNvSpPr>
+          <p:nvPr>
+            <p:ph type="ctrTitle"/>
+          </p:nvPr>
+        </p:nvSpPr>
+        <p:spPr>
+          <a:xfrm>
+            <a:off x="618824" y="411675"/>
+            <a:ext cx="6829939" cy="577800"/>
+          </a:xfrm>
+          <a:prstGeom prst="rect">
+            <a:avLst/>
+          </a:prstGeom>
+        </p:spPr>
+        <p:txBody>
+          <a:bodyPr spcFirstLastPara="1" wrap="square" lIns="91425" tIns="91425" rIns="91425" bIns="91425" anchor="b" anchorCtr="0">
+            <a:noAutofit/>
+          </a:bodyPr>
+          <a:lstStyle/>
+          <a:p>
+            <a:pPr marL="0" lvl="0" indent="0" algn="l" rtl="0">
+              <a:spcBef>
+                <a:spcPts val="0"/>
+              </a:spcBef>
+              <a:spcAft>
+                <a:spcPts val="0"/>
+              </a:spcAft>
+              <a:buNone/>
+            </a:pPr>
+            <a:r>
+              <a:rPr lang="en" dirty="0" smtClean="0"/>
+              <a:t>ANALYSIS – Feature </a:t>
+            </a:r>
+            <a:r>
+              <a:rPr lang="en" dirty="0" smtClean="0"/>
+              <a:t>Importance Intuition</a:t>
+            </a:r>
+            <a:endParaRPr dirty="0"/>
+          </a:p>
+        </p:txBody>
+      </p:sp>
+      <p:sp>
+        <p:nvSpPr>
+          <p:cNvPr id="715" name="Google Shape;715;p34"/>
           <p:cNvSpPr txBox="1"/>
           <p:nvPr/>
         </p:nvSpPr>
         <p:spPr>
           <a:xfrm>
-            <a:off x="928775" y="922504"/>
-            <a:ext cx="1881300" cy="390600"/>
+            <a:off x="814034" y="1561672"/>
+            <a:ext cx="7066246" cy="2547991"/>
           </a:xfrm>
           <a:prstGeom prst="rect">
             <a:avLst/>
@@ -20357,76 +21623,11 @@
           </a:bodyPr>
           <a:lstStyle/>
           <a:p>
-            <a:pPr marL="0" lvl="0" indent="0" algn="l" rtl="0">
-              <a:spcBef>
-                <a:spcPts val="0"/>
-              </a:spcBef>
-              <a:spcAft>
-                <a:spcPts val="0"/>
-              </a:spcAft>
-              <a:buNone/>
+            <a:pPr lvl="0">
+              <a:lnSpc>
+                <a:spcPct val="200000"/>
+              </a:lnSpc>
             </a:pPr>
-            <a:r>
-              <a:rPr lang="en" sz="2000" dirty="0" smtClean="0">
-                <a:solidFill>
-                  <a:schemeClr val="lt1"/>
-                </a:solidFill>
-                <a:latin typeface="Share Tech"/>
-                <a:ea typeface="Share Tech"/>
-                <a:cs typeface="Share Tech"/>
-                <a:sym typeface="Share Tech"/>
-              </a:rPr>
-              <a:t>Churn</a:t>
-            </a:r>
-          </a:p>
-          <a:p>
-            <a:pPr marL="0" lvl="0" indent="0" algn="l" rtl="0">
-              <a:spcBef>
-                <a:spcPts val="0"/>
-              </a:spcBef>
-              <a:spcAft>
-                <a:spcPts val="0"/>
-              </a:spcAft>
-              <a:buNone/>
-            </a:pPr>
-            <a:endParaRPr sz="2000" dirty="0">
-              <a:solidFill>
-                <a:schemeClr val="lt1"/>
-              </a:solidFill>
-              <a:latin typeface="Share Tech"/>
-              <a:ea typeface="Share Tech"/>
-              <a:cs typeface="Share Tech"/>
-              <a:sym typeface="Share Tech"/>
-            </a:endParaRPr>
-          </a:p>
-        </p:txBody>
-      </p:sp>
-      <p:sp>
-        <p:nvSpPr>
-          <p:cNvPr id="715" name="Google Shape;715;p34"/>
-          <p:cNvSpPr txBox="1"/>
-          <p:nvPr/>
-        </p:nvSpPr>
-        <p:spPr>
-          <a:xfrm>
-            <a:off x="6168489" y="1313104"/>
-            <a:ext cx="2660976" cy="3567250"/>
-          </a:xfrm>
-          <a:prstGeom prst="rect">
-            <a:avLst/>
-          </a:prstGeom>
-          <a:noFill/>
-          <a:ln>
-            <a:noFill/>
-          </a:ln>
-        </p:spPr>
-        <p:txBody>
-          <a:bodyPr spcFirstLastPara="1" wrap="square" lIns="91425" tIns="91425" rIns="91425" bIns="91425" anchor="t" anchorCtr="0">
-            <a:noAutofit/>
-          </a:bodyPr>
-          <a:lstStyle/>
-          <a:p>
-            <a:pPr lvl="0"/>
             <a:r>
               <a:rPr lang="en-US" sz="1600" dirty="0">
                 <a:solidFill>
@@ -20436,12 +21637,12 @@
               <a:t>In the feature importance graph above we can see that </a:t>
             </a:r>
             <a:r>
-              <a:rPr lang="en-US" sz="1600" dirty="0">
+              <a:rPr lang="en-US" sz="1600" dirty="0" smtClean="0">
                 <a:solidFill>
-                  <a:schemeClr val="bg1"/>
+                  <a:srgbClr val="FFFF00"/>
                 </a:solidFill>
               </a:rPr>
-              <a:t>forecasted bill of meter rental for the next 12 </a:t>
+              <a:t>yearly consumption</a:t>
             </a:r>
             <a:r>
               <a:rPr lang="en-US" sz="1600" dirty="0" smtClean="0">
@@ -20449,7 +21650,39 @@
                   <a:schemeClr val="bg1"/>
                 </a:solidFill>
               </a:rPr>
-              <a:t>months, gross margin on power subscription and </a:t>
+              <a:t>, </a:t>
+            </a:r>
+            <a:r>
+              <a:rPr lang="en-US" sz="1600" dirty="0" smtClean="0">
+                <a:solidFill>
+                  <a:srgbClr val="FFFF00"/>
+                </a:solidFill>
+              </a:rPr>
+              <a:t>net margin </a:t>
+            </a:r>
+            <a:r>
+              <a:rPr lang="en-US" sz="1600" dirty="0" smtClean="0">
+                <a:solidFill>
+                  <a:schemeClr val="bg1"/>
+                </a:solidFill>
+              </a:rPr>
+              <a:t>and </a:t>
+            </a:r>
+            <a:r>
+              <a:rPr lang="en-US" sz="1600" dirty="0" smtClean="0">
+                <a:solidFill>
+                  <a:srgbClr val="FFFF00"/>
+                </a:solidFill>
+              </a:rPr>
+              <a:t>forecasted yearly consumption </a:t>
+            </a:r>
+            <a:r>
+              <a:rPr lang="en-US" sz="1600" dirty="0" smtClean="0">
+                <a:solidFill>
+                  <a:schemeClr val="bg1"/>
+                </a:solidFill>
+              </a:rPr>
+              <a:t>are </a:t>
             </a:r>
             <a:r>
               <a:rPr lang="en-US" sz="1600" dirty="0">
@@ -20457,23 +21690,7 @@
                   <a:schemeClr val="bg1"/>
                 </a:solidFill>
               </a:rPr>
-              <a:t>electricity consumption of the past 12 months</a:t>
-            </a:r>
-            <a:endParaRPr lang="en-US" sz="1600" dirty="0">
-              <a:solidFill>
-                <a:schemeClr val="bg1"/>
-              </a:solidFill>
-            </a:endParaRPr>
-          </a:p>
-          <a:p>
-            <a:pPr lvl="0"/>
-            <a:r>
-              <a:rPr lang="en-US" sz="1600" dirty="0">
-                <a:solidFill>
-                  <a:schemeClr val="bg1"/>
-                </a:solidFill>
-              </a:rPr>
-              <a:t>are the features that appear the most in our model and we could </a:t>
+              <a:t>the features that appear the most in our model and we could </a:t>
             </a:r>
             <a:r>
               <a:rPr lang="en-US" sz="1600" dirty="0" smtClean="0">
@@ -20521,7 +21738,15 @@
                   <a:schemeClr val="bg1"/>
                 </a:solidFill>
               </a:rPr>
-              <a:t>in our model</a:t>
+              <a:t>in our </a:t>
+            </a:r>
+            <a:r>
+              <a:rPr lang="en-US" sz="1600" dirty="0" smtClean="0">
+                <a:solidFill>
+                  <a:schemeClr val="bg1"/>
+                </a:solidFill>
+              </a:rPr>
+              <a:t>model. However, price is not rank front in the feature importance list.</a:t>
             </a:r>
             <a:endParaRPr sz="1600" dirty="0">
               <a:solidFill>
@@ -20615,36 +21840,6 @@
           </a:p>
         </p:txBody>
       </p:sp>
-      <p:pic>
-        <p:nvPicPr>
-          <p:cNvPr id="2" name="Picture 1"/>
-          <p:cNvPicPr>
-            <a:picLocks noChangeAspect="1"/>
-          </p:cNvPicPr>
-          <p:nvPr/>
-        </p:nvPicPr>
-        <p:blipFill>
-          <a:blip r:embed="rId3">
-            <a:extLst>
-              <a:ext uri="{28A0092B-C50C-407E-A947-70E740481C1C}">
-                <a14:useLocalDpi xmlns:a14="http://schemas.microsoft.com/office/drawing/2010/main" val="0"/>
-              </a:ext>
-            </a:extLst>
-          </a:blip>
-          <a:stretch>
-            <a:fillRect/>
-          </a:stretch>
-        </p:blipFill>
-        <p:spPr>
-          <a:xfrm>
-            <a:off x="189888" y="989475"/>
-            <a:ext cx="5893541" cy="3417250"/>
-          </a:xfrm>
-          <a:prstGeom prst="rect">
-            <a:avLst/>
-          </a:prstGeom>
-        </p:spPr>
-      </p:pic>
     </p:spTree>
     <p:extLst>
       <p:ext uri="{BB962C8B-B14F-4D97-AF65-F5344CB8AC3E}">
@@ -20658,7 +21853,7 @@
 </p:sld>
 </file>
 
-<file path=ppt/slides/slide13.xml><?xml version="1.0" encoding="utf-8"?>
+<file path=ppt/slides/slide17.xml><?xml version="1.0" encoding="utf-8"?>
 <p:sld xmlns:a="http://schemas.openxmlformats.org/drawingml/2006/main" xmlns:r="http://schemas.openxmlformats.org/officeDocument/2006/relationships" xmlns:p="http://schemas.openxmlformats.org/presentationml/2006/main">
   <p:cSld>
     <p:spTree>
@@ -20687,7 +21882,7 @@
         </p:nvSpPr>
         <p:spPr>
           <a:xfrm>
-            <a:off x="572377" y="2251644"/>
+            <a:off x="563331" y="2115982"/>
             <a:ext cx="3534300" cy="649585"/>
           </a:xfrm>
           <a:prstGeom prst="rect">
@@ -20702,7 +21897,15 @@
           <a:p>
             <a:r>
               <a:rPr lang="en-US" sz="1400" dirty="0"/>
-              <a:t>Predictive model able to predict churn </a:t>
+              <a:t>Predictive model </a:t>
+            </a:r>
+            <a:r>
+              <a:rPr lang="en-US" sz="1400" dirty="0" smtClean="0"/>
+              <a:t>is able </a:t>
+            </a:r>
+            <a:r>
+              <a:rPr lang="en-US" sz="1400" dirty="0"/>
+              <a:t>to predict churn </a:t>
             </a:r>
             <a:r>
               <a:rPr lang="en-US" sz="1400" dirty="0" smtClean="0"/>
@@ -20714,12 +21917,48 @@
             </a:r>
             <a:r>
               <a:rPr lang="en-US" sz="1400" dirty="0" smtClean="0"/>
-              <a:t>sensitivity, </a:t>
+              <a:t>sensitivity: </a:t>
             </a:r>
             <a:r>
               <a:rPr lang="en-US" sz="1400" dirty="0" smtClean="0">
                 <a:solidFill>
-                  <a:schemeClr val="bg1"/>
+                  <a:srgbClr val="FFFF00"/>
+                </a:solidFill>
+              </a:rPr>
+              <a:t>Yearly </a:t>
+            </a:r>
+            <a:r>
+              <a:rPr lang="en-US" sz="1400" dirty="0">
+                <a:solidFill>
+                  <a:srgbClr val="FFFF00"/>
+                </a:solidFill>
+              </a:rPr>
+              <a:t>consumption</a:t>
+            </a:r>
+            <a:r>
+              <a:rPr lang="en-US" sz="1400" dirty="0"/>
+              <a:t>, </a:t>
+            </a:r>
+            <a:r>
+              <a:rPr lang="en-US" sz="1400" dirty="0">
+                <a:solidFill>
+                  <a:srgbClr val="FFFF00"/>
+                </a:solidFill>
+              </a:rPr>
+              <a:t>net margin</a:t>
+            </a:r>
+            <a:r>
+              <a:rPr lang="en-US" sz="1400" dirty="0"/>
+              <a:t>, </a:t>
+            </a:r>
+            <a:r>
+              <a:rPr lang="en-US" sz="1400" dirty="0" smtClean="0"/>
+              <a:t>and </a:t>
+            </a:r>
+            <a:r>
+              <a:rPr lang="en-US" sz="1400" dirty="0" smtClean="0">
+                <a:solidFill>
+                  <a:srgbClr val="FFFF00"/>
                 </a:solidFill>
               </a:rPr>
               <a:t>forecasted </a:t>
@@ -20727,30 +21966,18 @@
             <a:r>
               <a:rPr lang="en-US" sz="1400" dirty="0">
                 <a:solidFill>
-                  <a:schemeClr val="bg1"/>
+                  <a:srgbClr val="FFFF00"/>
                 </a:solidFill>
               </a:rPr>
-              <a:t>bill of meter rental for the next 12 months, gross margin on power subscription and electricity consumption of the past 12 </a:t>
+              <a:t>consumption </a:t>
             </a:r>
             <a:r>
-              <a:rPr lang="en-US" sz="1400" dirty="0" smtClean="0">
-                <a:solidFill>
-                  <a:schemeClr val="bg1"/>
-                </a:solidFill>
-              </a:rPr>
-              <a:t>months </a:t>
+              <a:rPr lang="en-US" sz="1400" dirty="0"/>
+              <a:t>are the 3 </a:t>
             </a:r>
             <a:r>
               <a:rPr lang="en-US" sz="1400" dirty="0" smtClean="0"/>
-              <a:t>are </a:t>
-            </a:r>
-            <a:r>
-              <a:rPr lang="en-US" sz="1400" dirty="0"/>
-              <a:t>the 3 </a:t>
-            </a:r>
-            <a:r>
-              <a:rPr lang="en-US" sz="1400" dirty="0" smtClean="0"/>
-              <a:t>largest drivers.</a:t>
+              <a:t>largest drivers</a:t>
             </a:r>
             <a:endParaRPr sz="1400" dirty="0"/>
           </a:p>
@@ -25877,7 +27104,7 @@
 </p:sld>
 </file>
 
-<file path=ppt/slides/slide14.xml><?xml version="1.0" encoding="utf-8"?>
+<file path=ppt/slides/slide18.xml><?xml version="1.0" encoding="utf-8"?>
 <p:sld xmlns:a="http://schemas.openxmlformats.org/drawingml/2006/main" xmlns:r="http://schemas.openxmlformats.org/officeDocument/2006/relationships" xmlns:p="http://schemas.openxmlformats.org/presentationml/2006/main">
   <p:cSld>
     <p:spTree>
@@ -36439,7 +37666,6 @@
               <a:rPr lang="en-US" dirty="0"/>
               <a:t>The power-liberalization of the energy market in Europe has led to significant customer churn, especially in the SME segment. </a:t>
             </a:r>
-            <a:endParaRPr lang="en-US" dirty="0"/>
           </a:p>
         </p:txBody>
       </p:sp>
@@ -37672,7 +38898,15 @@
             <a:pPr marL="0" lvl="0" indent="0"/>
             <a:r>
               <a:rPr lang="en-US" dirty="0"/>
-              <a:t>try a discounting strategy, with the head of the SME division suggesting that offering customers at high propensity to churn a 20% discount might be effective</a:t>
+              <a:t>try a discounting strategy, with the head of the SME division suggesting that offering customers at high propensity to churn a </a:t>
+            </a:r>
+            <a:r>
+              <a:rPr lang="en-US" dirty="0" smtClean="0"/>
+              <a:t>discount </a:t>
+            </a:r>
+            <a:r>
+              <a:rPr lang="en-US" dirty="0"/>
+              <a:t>might be effective</a:t>
             </a:r>
             <a:endParaRPr dirty="0"/>
           </a:p>
@@ -43184,7 +44418,7 @@
         </p:nvSpPr>
         <p:spPr>
           <a:xfrm>
-            <a:off x="618825" y="411675"/>
+            <a:off x="916776" y="2163010"/>
             <a:ext cx="4727700" cy="577800"/>
           </a:xfrm>
           <a:prstGeom prst="rect">
@@ -43208,7 +44442,18 @@
             </a:pPr>
             <a:r>
               <a:rPr lang="en" dirty="0" smtClean="0"/>
-              <a:t>DATA NEEDED</a:t>
+              <a:t>DATA </a:t>
+            </a:r>
+            <a:r>
+              <a:rPr lang="en" dirty="0" smtClean="0"/>
+              <a:t>NEEDED FOR</a:t>
+            </a:r>
+            <a:br>
+              <a:rPr lang="en" dirty="0" smtClean="0"/>
+            </a:br>
+            <a:r>
+              <a:rPr lang="en" dirty="0" smtClean="0"/>
+              <a:t>ANALYSIS</a:t>
             </a:r>
             <a:endParaRPr dirty="0"/>
           </a:p>
@@ -43256,35 +44501,6 @@
           </a:p>
         </p:txBody>
       </p:sp>
-      <p:pic>
-        <p:nvPicPr>
-          <p:cNvPr id="700" name="Google Shape;700;p33" title="Gráfico">
-            <a:hlinkClick r:id="rId3"/>
-          </p:cNvPr>
-          <p:cNvPicPr preferRelativeResize="0"/>
-          <p:nvPr/>
-        </p:nvPicPr>
-        <p:blipFill rotWithShape="1">
-          <a:blip r:embed="rId4">
-            <a:alphaModFix/>
-          </a:blip>
-          <a:srcRect r="14850"/>
-          <a:stretch/>
-        </p:blipFill>
-        <p:spPr>
-          <a:xfrm>
-            <a:off x="774900" y="1519750"/>
-            <a:ext cx="3595623" cy="2662600"/>
-          </a:xfrm>
-          <a:prstGeom prst="rect">
-            <a:avLst/>
-          </a:prstGeom>
-          <a:noFill/>
-          <a:ln>
-            <a:noFill/>
-          </a:ln>
-        </p:spPr>
-      </p:pic>
       <p:sp>
         <p:nvSpPr>
           <p:cNvPr id="701" name="Google Shape;701;p33"/>
@@ -43824,7 +45040,7 @@
         </p:nvSpPr>
         <p:spPr>
           <a:xfrm>
-            <a:off x="5523301" y="2017386"/>
+            <a:off x="5852111" y="1884250"/>
             <a:ext cx="2660976" cy="2453025"/>
           </a:xfrm>
           <a:prstGeom prst="rect">
@@ -43860,7 +45076,55 @@
                 <a:cs typeface="Share Tech"/>
                 <a:sym typeface="Share Tech"/>
               </a:rPr>
-              <a:t>The retention rate of all customers is 90%, and the churn rate is 10%, which make sense. </a:t>
+              <a:t>The retention rate of all customers is </a:t>
+            </a:r>
+            <a:r>
+              <a:rPr lang="en" sz="2000" dirty="0" smtClean="0">
+                <a:solidFill>
+                  <a:schemeClr val="lt1"/>
+                </a:solidFill>
+                <a:latin typeface="Share Tech"/>
+                <a:ea typeface="Share Tech"/>
+                <a:cs typeface="Share Tech"/>
+                <a:sym typeface="Share Tech"/>
+              </a:rPr>
+              <a:t>90.1%, </a:t>
+            </a:r>
+            <a:r>
+              <a:rPr lang="en" sz="2000" dirty="0" smtClean="0">
+                <a:solidFill>
+                  <a:schemeClr val="lt1"/>
+                </a:solidFill>
+                <a:latin typeface="Share Tech"/>
+                <a:ea typeface="Share Tech"/>
+                <a:cs typeface="Share Tech"/>
+                <a:sym typeface="Share Tech"/>
+              </a:rPr>
+              <a:t>and the churn rate is </a:t>
+            </a:r>
+            <a:r>
+              <a:rPr lang="en" sz="2000" dirty="0" smtClean="0">
+                <a:solidFill>
+                  <a:schemeClr val="lt1"/>
+                </a:solidFill>
+                <a:latin typeface="Share Tech"/>
+                <a:ea typeface="Share Tech"/>
+                <a:cs typeface="Share Tech"/>
+                <a:sym typeface="Share Tech"/>
+              </a:rPr>
+              <a:t>9.9%, a little bit high but still make </a:t>
+            </a:r>
+            <a:r>
+              <a:rPr lang="en" sz="2000" dirty="0" smtClean="0">
+                <a:solidFill>
+                  <a:schemeClr val="lt1"/>
+                </a:solidFill>
+                <a:latin typeface="Share Tech"/>
+                <a:ea typeface="Share Tech"/>
+                <a:cs typeface="Share Tech"/>
+                <a:sym typeface="Share Tech"/>
+              </a:rPr>
+              <a:t>sense. </a:t>
             </a:r>
             <a:endParaRPr sz="2000" dirty="0">
               <a:solidFill>
@@ -44192,7 +45456,7 @@
       </p:sp>
       <p:pic>
         <p:nvPicPr>
-          <p:cNvPr id="2" name="Picture 1"/>
+          <p:cNvPr id="3" name="Picture 2"/>
           <p:cNvPicPr>
             <a:picLocks noChangeAspect="1"/>
           </p:cNvPicPr>
@@ -44212,8 +45476,8 @@
         </p:blipFill>
         <p:spPr>
           <a:xfrm>
-            <a:off x="-12712" y="1053161"/>
-            <a:ext cx="5106563" cy="3353564"/>
+            <a:off x="859657" y="989475"/>
+            <a:ext cx="4708911" cy="3798282"/>
           </a:xfrm>
           <a:prstGeom prst="rect">
             <a:avLst/>
@@ -44289,82 +45553,13 @@
       </p:sp>
       <p:sp>
         <p:nvSpPr>
-          <p:cNvPr id="714" name="Google Shape;714;p34"/>
-          <p:cNvSpPr txBox="1"/>
-          <p:nvPr/>
-        </p:nvSpPr>
-        <p:spPr>
-          <a:xfrm>
-            <a:off x="928775" y="922504"/>
-            <a:ext cx="1881300" cy="390600"/>
-          </a:xfrm>
-          <a:prstGeom prst="rect">
-            <a:avLst/>
-          </a:prstGeom>
-          <a:noFill/>
-          <a:ln>
-            <a:noFill/>
-          </a:ln>
-        </p:spPr>
-        <p:txBody>
-          <a:bodyPr spcFirstLastPara="1" wrap="square" lIns="91425" tIns="91425" rIns="91425" bIns="91425" anchor="t" anchorCtr="0">
-            <a:noAutofit/>
-          </a:bodyPr>
-          <a:lstStyle/>
-          <a:p>
-            <a:pPr marL="0" lvl="0" indent="0" algn="l" rtl="0">
-              <a:spcBef>
-                <a:spcPts val="0"/>
-              </a:spcBef>
-              <a:spcAft>
-                <a:spcPts val="0"/>
-              </a:spcAft>
-              <a:buNone/>
-            </a:pPr>
-            <a:r>
-              <a:rPr lang="en" sz="2000" dirty="0" smtClean="0">
-                <a:solidFill>
-                  <a:schemeClr val="lt1"/>
-                </a:solidFill>
-                <a:latin typeface="Share Tech"/>
-                <a:ea typeface="Share Tech"/>
-                <a:cs typeface="Share Tech"/>
-                <a:sym typeface="Share Tech"/>
-              </a:rPr>
-              <a:t>Churn</a:t>
-            </a:r>
-          </a:p>
-          <a:p>
-            <a:pPr marL="0" lvl="0" indent="0" algn="l" rtl="0">
-              <a:spcBef>
-                <a:spcPts val="0"/>
-              </a:spcBef>
-              <a:spcAft>
-                <a:spcPts val="0"/>
-              </a:spcAft>
-              <a:buNone/>
-            </a:pPr>
-            <a:endParaRPr sz="2000" dirty="0">
-              <a:solidFill>
-                <a:schemeClr val="lt1"/>
-              </a:solidFill>
-              <a:latin typeface="Share Tech"/>
-              <a:ea typeface="Share Tech"/>
-              <a:cs typeface="Share Tech"/>
-              <a:sym typeface="Share Tech"/>
-            </a:endParaRPr>
-          </a:p>
-        </p:txBody>
-      </p:sp>
-      <p:sp>
-        <p:nvSpPr>
           <p:cNvPr id="715" name="Google Shape;715;p34"/>
           <p:cNvSpPr txBox="1"/>
           <p:nvPr/>
         </p:nvSpPr>
         <p:spPr>
           <a:xfrm>
-            <a:off x="6012399" y="1528288"/>
+            <a:off x="6320624" y="1814800"/>
             <a:ext cx="2660976" cy="2453025"/>
           </a:xfrm>
           <a:prstGeom prst="rect">
@@ -44494,245 +45689,9 @@
           </a:p>
         </p:txBody>
       </p:sp>
-      <p:sp>
-        <p:nvSpPr>
-          <p:cNvPr id="997" name="Google Shape;997;p34"/>
-          <p:cNvSpPr txBox="1">
-            <a:spLocks noGrp="1"/>
-          </p:cNvSpPr>
-          <p:nvPr>
-            <p:ph type="subTitle" idx="4294967295"/>
-          </p:nvPr>
-        </p:nvSpPr>
-        <p:spPr>
-          <a:xfrm>
-            <a:off x="1386875" y="4141975"/>
-            <a:ext cx="1236614" cy="390600"/>
-          </a:xfrm>
-          <a:prstGeom prst="rect">
-            <a:avLst/>
-          </a:prstGeom>
-        </p:spPr>
-        <p:txBody>
-          <a:bodyPr spcFirstLastPara="1" wrap="square" lIns="91425" tIns="91425" rIns="91425" bIns="91425" anchor="b" anchorCtr="0">
-            <a:noAutofit/>
-          </a:bodyPr>
-          <a:lstStyle/>
-          <a:p>
-            <a:pPr marL="0" lvl="0" indent="0" algn="l" rtl="0">
-              <a:lnSpc>
-                <a:spcPct val="100000"/>
-              </a:lnSpc>
-              <a:spcBef>
-                <a:spcPts val="0"/>
-              </a:spcBef>
-              <a:spcAft>
-                <a:spcPts val="0"/>
-              </a:spcAft>
-              <a:buNone/>
-            </a:pPr>
-            <a:r>
-              <a:rPr lang="en" dirty="0" smtClean="0"/>
-              <a:t>Retention</a:t>
-            </a:r>
-            <a:endParaRPr dirty="0"/>
-          </a:p>
-        </p:txBody>
-      </p:sp>
-      <p:sp>
-        <p:nvSpPr>
-          <p:cNvPr id="998" name="Google Shape;998;p34"/>
-          <p:cNvSpPr txBox="1">
-            <a:spLocks noGrp="1"/>
-          </p:cNvSpPr>
-          <p:nvPr>
-            <p:ph type="subTitle" idx="4294967295"/>
-          </p:nvPr>
-        </p:nvSpPr>
-        <p:spPr>
-          <a:xfrm>
-            <a:off x="3378425" y="4142852"/>
-            <a:ext cx="1128600" cy="390600"/>
-          </a:xfrm>
-          <a:prstGeom prst="rect">
-            <a:avLst/>
-          </a:prstGeom>
-        </p:spPr>
-        <p:txBody>
-          <a:bodyPr spcFirstLastPara="1" wrap="square" lIns="91425" tIns="91425" rIns="91425" bIns="91425" anchor="b" anchorCtr="0">
-            <a:noAutofit/>
-          </a:bodyPr>
-          <a:lstStyle/>
-          <a:p>
-            <a:pPr marL="0" lvl="0" indent="0" algn="l" rtl="0">
-              <a:lnSpc>
-                <a:spcPct val="100000"/>
-              </a:lnSpc>
-              <a:spcBef>
-                <a:spcPts val="0"/>
-              </a:spcBef>
-              <a:spcAft>
-                <a:spcPts val="0"/>
-              </a:spcAft>
-              <a:buNone/>
-            </a:pPr>
-            <a:r>
-              <a:rPr lang="en" dirty="0" smtClean="0"/>
-              <a:t>Churn</a:t>
-            </a:r>
-            <a:endParaRPr dirty="0"/>
-          </a:p>
-        </p:txBody>
-      </p:sp>
-      <p:sp>
-        <p:nvSpPr>
-          <p:cNvPr id="1002" name="Google Shape;1002;p34"/>
-          <p:cNvSpPr txBox="1">
-            <a:spLocks noGrp="1"/>
-          </p:cNvSpPr>
-          <p:nvPr>
-            <p:ph type="subTitle" idx="4294967295"/>
-          </p:nvPr>
-        </p:nvSpPr>
-        <p:spPr>
-          <a:xfrm>
-            <a:off x="1489099" y="4470411"/>
-            <a:ext cx="908700" cy="390600"/>
-          </a:xfrm>
-          <a:prstGeom prst="rect">
-            <a:avLst/>
-          </a:prstGeom>
-        </p:spPr>
-        <p:txBody>
-          <a:bodyPr spcFirstLastPara="1" wrap="square" lIns="91425" tIns="91425" rIns="91425" bIns="91425" anchor="b" anchorCtr="0">
-            <a:noAutofit/>
-          </a:bodyPr>
-          <a:lstStyle/>
-          <a:p>
-            <a:pPr marL="0" lvl="0" indent="0" algn="ctr" rtl="0">
-              <a:lnSpc>
-                <a:spcPct val="100000"/>
-              </a:lnSpc>
-              <a:spcBef>
-                <a:spcPts val="0"/>
-              </a:spcBef>
-              <a:spcAft>
-                <a:spcPts val="0"/>
-              </a:spcAft>
-              <a:buNone/>
-            </a:pPr>
-            <a:r>
-              <a:rPr lang="en" sz="2200" dirty="0" smtClean="0">
-                <a:solidFill>
-                  <a:schemeClr val="accent1"/>
-                </a:solidFill>
-                <a:latin typeface="Share Tech"/>
-                <a:ea typeface="Share Tech"/>
-                <a:cs typeface="Share Tech"/>
-                <a:sym typeface="Share Tech"/>
-              </a:rPr>
-              <a:t>90</a:t>
-            </a:r>
-            <a:r>
-              <a:rPr lang="en" sz="2200" dirty="0">
-                <a:solidFill>
-                  <a:schemeClr val="accent1"/>
-                </a:solidFill>
-                <a:latin typeface="Share Tech"/>
-                <a:ea typeface="Share Tech"/>
-                <a:cs typeface="Share Tech"/>
-                <a:sym typeface="Share Tech"/>
-              </a:rPr>
-              <a:t>%</a:t>
-            </a:r>
-            <a:endParaRPr sz="2200" dirty="0">
-              <a:solidFill>
-                <a:schemeClr val="accent1"/>
-              </a:solidFill>
-              <a:latin typeface="Share Tech"/>
-              <a:ea typeface="Share Tech"/>
-              <a:cs typeface="Share Tech"/>
-              <a:sym typeface="Share Tech"/>
-            </a:endParaRPr>
-          </a:p>
-        </p:txBody>
-      </p:sp>
-      <p:sp>
-        <p:nvSpPr>
-          <p:cNvPr id="1003" name="Google Shape;1003;p34"/>
-          <p:cNvSpPr txBox="1">
-            <a:spLocks noGrp="1"/>
-          </p:cNvSpPr>
-          <p:nvPr>
-            <p:ph type="subTitle" idx="4294967295"/>
-          </p:nvPr>
-        </p:nvSpPr>
-        <p:spPr>
-          <a:xfrm>
-            <a:off x="3378425" y="4470411"/>
-            <a:ext cx="908700" cy="390600"/>
-          </a:xfrm>
-          <a:prstGeom prst="rect">
-            <a:avLst/>
-          </a:prstGeom>
-        </p:spPr>
-        <p:txBody>
-          <a:bodyPr spcFirstLastPara="1" wrap="square" lIns="91425" tIns="91425" rIns="91425" bIns="91425" anchor="b" anchorCtr="0">
-            <a:noAutofit/>
-          </a:bodyPr>
-          <a:lstStyle/>
-          <a:p>
-            <a:pPr marL="0" lvl="0" indent="0" algn="ctr" rtl="0">
-              <a:lnSpc>
-                <a:spcPct val="100000"/>
-              </a:lnSpc>
-              <a:spcBef>
-                <a:spcPts val="0"/>
-              </a:spcBef>
-              <a:spcAft>
-                <a:spcPts val="0"/>
-              </a:spcAft>
-              <a:buNone/>
-            </a:pPr>
-            <a:r>
-              <a:rPr lang="en" sz="2200" dirty="0" smtClean="0">
-                <a:solidFill>
-                  <a:schemeClr val="accent2"/>
-                </a:solidFill>
-                <a:latin typeface="Share Tech"/>
-                <a:ea typeface="Share Tech"/>
-                <a:cs typeface="Share Tech"/>
-                <a:sym typeface="Share Tech"/>
-              </a:rPr>
-              <a:t>10</a:t>
-            </a:r>
-            <a:r>
-              <a:rPr lang="en" sz="2200" dirty="0">
-                <a:solidFill>
-                  <a:schemeClr val="accent2"/>
-                </a:solidFill>
-                <a:latin typeface="Share Tech"/>
-                <a:ea typeface="Share Tech"/>
-                <a:cs typeface="Share Tech"/>
-                <a:sym typeface="Share Tech"/>
-              </a:rPr>
-              <a:t>%</a:t>
-            </a:r>
-            <a:endParaRPr sz="2200" dirty="0">
-              <a:solidFill>
-                <a:schemeClr val="accent2"/>
-              </a:solidFill>
-              <a:latin typeface="Share Tech"/>
-              <a:ea typeface="Share Tech"/>
-              <a:cs typeface="Share Tech"/>
-              <a:sym typeface="Share Tech"/>
-            </a:endParaRPr>
-          </a:p>
-        </p:txBody>
-      </p:sp>
       <p:pic>
         <p:nvPicPr>
-          <p:cNvPr id="3" name="Picture 2"/>
+          <p:cNvPr id="2" name="Picture 1"/>
           <p:cNvPicPr>
             <a:picLocks noChangeAspect="1"/>
           </p:cNvPicPr>
@@ -44752,8 +45711,8 @@
         </p:blipFill>
         <p:spPr>
           <a:xfrm>
-            <a:off x="-155378" y="700575"/>
-            <a:ext cx="6088346" cy="5143500"/>
+            <a:off x="199415" y="989475"/>
+            <a:ext cx="5812984" cy="3502627"/>
           </a:xfrm>
           <a:prstGeom prst="rect">
             <a:avLst/>
